--- a/docs/CS184 MILESTONE.pptx
+++ b/docs/CS184 MILESTONE.pptx
@@ -5818,10 +5818,10 @@
               <a:buNone/>
             </a:pPr>
             <a:r>
-              <a:rPr lang="en"/>
-              <a:t>Pseudocode for At_least_one_bounce</a:t>
+              <a:rPr lang="en" sz="2400"/>
+              <a:t>Pseudocode for L(Point P’, wo) (at_least_one_bounce)</a:t>
             </a:r>
-            <a:endParaRPr/>
+            <a:endParaRPr sz="2400"/>
           </a:p>
         </p:txBody>
       </p:sp>
@@ -5835,8 +5835,8 @@
         </p:nvSpPr>
         <p:spPr>
           <a:xfrm>
-            <a:off x="229775" y="508350"/>
-            <a:ext cx="8520600" cy="4223700"/>
+            <a:off x="194950" y="121925"/>
+            <a:ext cx="8520600" cy="4336800"/>
           </a:xfrm>
           <a:prstGeom prst="rect">
             <a:avLst/>
@@ -5859,7 +5859,7 @@
             </a:pPr>
             <a:r>
               <a:rPr lang="en"/>
-              <a:t>Sample point P;</a:t>
+              <a:t>Sample Distance Dist; //sample distance</a:t>
             </a:r>
             <a:endParaRPr/>
           </a:p>
@@ -5891,7 +5891,7 @@
             </a:pPr>
             <a:r>
               <a:rPr lang="en"/>
-              <a:t>Dist = dist(P,P’);</a:t>
+              <a:t>P = Point of dist away from P’; //convert distance to point</a:t>
             </a:r>
             <a:endParaRPr/>
           </a:p>
@@ -5907,12 +5907,44 @@
             </a:pPr>
             <a:r>
               <a:rPr lang="en"/>
-              <a:t>Wi, pdf = P.samplebrdf();</a:t>
+              <a:t>Wi, pdf = P.samplebrdf(); //sample brdf</a:t>
             </a:r>
             <a:endParaRPr/>
           </a:p>
           <a:p>
             <a:pPr indent="0" lvl="0" marL="0" rtl="0" algn="l">
+              <a:spcBef>
+                <a:spcPts val="1600"/>
+              </a:spcBef>
+              <a:spcAft>
+                <a:spcPts val="0"/>
+              </a:spcAft>
+              <a:buNone/>
+            </a:pPr>
+            <a:r>
+              <a:rPr lang="en"/>
+              <a:t>Cpdf = continuationProabability(p.prdf,wi,wo);</a:t>
+            </a:r>
+            <a:endParaRPr/>
+          </a:p>
+          <a:p>
+            <a:pPr indent="0" lvl="0" marL="0" rtl="0" algn="l">
+              <a:spcBef>
+                <a:spcPts val="1600"/>
+              </a:spcBef>
+              <a:spcAft>
+                <a:spcPts val="0"/>
+              </a:spcAft>
+              <a:buNone/>
+            </a:pPr>
+            <a:r>
+              <a:rPr lang="en"/>
+              <a:t>if(random01()&lt;cpdf){ //continue ray tracing</a:t>
+            </a:r>
+            <a:endParaRPr/>
+          </a:p>
+          <a:p>
+            <a:pPr indent="457200" lvl="0" marL="0" rtl="0" algn="l">
               <a:spcBef>
                 <a:spcPts val="1600"/>
               </a:spcBef>
@@ -5928,7 +5960,7 @@
             <a:endParaRPr/>
           </a:p>
           <a:p>
-            <a:pPr indent="457200" lvl="0" marL="0" rtl="0" algn="l">
+            <a:pPr indent="457200" lvl="0" marL="457200" rtl="0" algn="l">
               <a:spcBef>
                 <a:spcPts val="1600"/>
               </a:spcBef>
@@ -5939,12 +5971,12 @@
             </a:pPr>
             <a:r>
               <a:rPr lang="en"/>
-              <a:t>L += L(P’, -wi)*p.brdf(wi,-wo)*costhea/pdf/cpdf;</a:t>
+              <a:t>L += L(P’, -wi)*p.brdf(wi,-wo)*costhea/pdf/cpdf; //reflection from this point</a:t>
             </a:r>
             <a:endParaRPr/>
           </a:p>
           <a:p>
-            <a:pPr indent="0" lvl="0" marL="0" rtl="0" algn="l">
+            <a:pPr indent="457200" lvl="0" marL="0" rtl="0" algn="l">
               <a:spcBef>
                 <a:spcPts val="1600"/>
               </a:spcBef>
@@ -5955,12 +5987,12 @@
             </a:pPr>
             <a:r>
               <a:rPr lang="en"/>
-              <a:t>}else{L+= L(P’,-wi)*p.brdf(wi,-wo)*constant/pdf/cpdf;}</a:t>
+              <a:t>}else{L+= L(P’,-wi)*p.brdf(wi,-wo)*constant/pdf/cpdf;} }// scattering</a:t>
             </a:r>
             <a:endParaRPr/>
           </a:p>
           <a:p>
-            <a:pPr indent="0" lvl="0" marL="0" rtl="0" algn="l">
+            <a:pPr indent="457200" lvl="0" marL="0" rtl="0" algn="l">
               <a:spcBef>
                 <a:spcPts val="1600"/>
               </a:spcBef>

--- a/docs/CS184 MILESTONE.pptx
+++ b/docs/CS184 MILESTONE.pptx
@@ -1,21 +1,21 @@
 
 <file path=ppt/presentation.xml><?xml version="1.0" encoding="utf-8"?>
-<p:presentation xmlns:a="http://schemas.openxmlformats.org/drawingml/2006/main" xmlns:r="http://schemas.openxmlformats.org/officeDocument/2006/relationships" xmlns:mc="http://schemas.openxmlformats.org/markup-compatibility/2006" xmlns:mv="urn:schemas-microsoft-com:mac:vml" xmlns:p="http://schemas.openxmlformats.org/presentationml/2006/main" xmlns:c="http://schemas.openxmlformats.org/drawingml/2006/chart" xmlns:dgm="http://schemas.openxmlformats.org/drawingml/2006/diagram" xmlns:o="urn:schemas-microsoft-com:office:office" xmlns:v="urn:schemas-microsoft-com:vml" xmlns:pvml="urn:schemas-microsoft-com:office:powerpoint" xmlns:com="http://schemas.openxmlformats.org/drawingml/2006/compatibility" xmlns:p14="http://schemas.microsoft.com/office/powerpoint/2010/main" xmlns:p15="http://schemas.microsoft.com/office/powerpoint/2012/main" autoCompressPictures="0" strictFirstAndLastChars="0" saveSubsetFonts="1">
+<p:presentation xmlns:a="http://schemas.openxmlformats.org/drawingml/2006/main" xmlns:r="http://schemas.openxmlformats.org/officeDocument/2006/relationships" xmlns:p="http://schemas.openxmlformats.org/presentationml/2006/main" strictFirstAndLastChars="0" saveSubsetFonts="1" autoCompressPictures="0">
   <p:sldMasterIdLst>
-    <p:sldMasterId id="2147483659" r:id="rId4"/>
+    <p:sldMasterId id="2147483659" r:id="rId1"/>
   </p:sldMasterIdLst>
   <p:notesMasterIdLst>
     <p:notesMasterId r:id="rId5"/>
   </p:notesMasterIdLst>
   <p:sldIdLst>
-    <p:sldId id="256" r:id="rId6"/>
-    <p:sldId id="257" r:id="rId7"/>
-    <p:sldId id="258" r:id="rId8"/>
+    <p:sldId id="256" r:id="rId2"/>
+    <p:sldId id="257" r:id="rId3"/>
+    <p:sldId id="258" r:id="rId4"/>
   </p:sldIdLst>
-  <p:sldSz cy="5143500" cx="9144000"/>
+  <p:sldSz cx="9144000" cy="5143500" type="screen16x9"/>
   <p:notesSz cx="6858000" cy="9144000"/>
   <p:defaultTextStyle>
-    <a:defPPr lvl="0" marR="0" rtl="0" algn="l">
+    <a:defPPr marR="0" lvl="0" algn="l" rtl="0">
       <a:lnSpc>
         <a:spcPct val="100000"/>
       </a:lnSpc>
@@ -26,7 +26,7 @@
         <a:spcPts val="0"/>
       </a:spcAft>
     </a:defPPr>
-    <a:lvl1pPr lvl="0" marR="0" rtl="0" algn="l">
+    <a:lvl1pPr marR="0" lvl="0" algn="l" rtl="0">
       <a:lnSpc>
         <a:spcPct val="100000"/>
       </a:lnSpc>
@@ -40,7 +40,7 @@
         <a:srgbClr val="000000"/>
       </a:buClr>
       <a:buFont typeface="Arial"/>
-      <a:defRPr b="0" i="0" sz="1400" u="none" cap="none" strike="noStrike">
+      <a:defRPr sz="1400" b="0" i="0" u="none" strike="noStrike" cap="none">
         <a:solidFill>
           <a:srgbClr val="000000"/>
         </a:solidFill>
@@ -50,7 +50,7 @@
         <a:sym typeface="Arial"/>
       </a:defRPr>
     </a:lvl1pPr>
-    <a:lvl2pPr lvl="1" marR="0" rtl="0" algn="l">
+    <a:lvl2pPr marR="0" lvl="1" algn="l" rtl="0">
       <a:lnSpc>
         <a:spcPct val="100000"/>
       </a:lnSpc>
@@ -64,7 +64,7 @@
         <a:srgbClr val="000000"/>
       </a:buClr>
       <a:buFont typeface="Arial"/>
-      <a:defRPr b="0" i="0" sz="1400" u="none" cap="none" strike="noStrike">
+      <a:defRPr sz="1400" b="0" i="0" u="none" strike="noStrike" cap="none">
         <a:solidFill>
           <a:srgbClr val="000000"/>
         </a:solidFill>
@@ -74,7 +74,7 @@
         <a:sym typeface="Arial"/>
       </a:defRPr>
     </a:lvl2pPr>
-    <a:lvl3pPr lvl="2" marR="0" rtl="0" algn="l">
+    <a:lvl3pPr marR="0" lvl="2" algn="l" rtl="0">
       <a:lnSpc>
         <a:spcPct val="100000"/>
       </a:lnSpc>
@@ -88,7 +88,7 @@
         <a:srgbClr val="000000"/>
       </a:buClr>
       <a:buFont typeface="Arial"/>
-      <a:defRPr b="0" i="0" sz="1400" u="none" cap="none" strike="noStrike">
+      <a:defRPr sz="1400" b="0" i="0" u="none" strike="noStrike" cap="none">
         <a:solidFill>
           <a:srgbClr val="000000"/>
         </a:solidFill>
@@ -98,7 +98,7 @@
         <a:sym typeface="Arial"/>
       </a:defRPr>
     </a:lvl3pPr>
-    <a:lvl4pPr lvl="3" marR="0" rtl="0" algn="l">
+    <a:lvl4pPr marR="0" lvl="3" algn="l" rtl="0">
       <a:lnSpc>
         <a:spcPct val="100000"/>
       </a:lnSpc>
@@ -112,7 +112,7 @@
         <a:srgbClr val="000000"/>
       </a:buClr>
       <a:buFont typeface="Arial"/>
-      <a:defRPr b="0" i="0" sz="1400" u="none" cap="none" strike="noStrike">
+      <a:defRPr sz="1400" b="0" i="0" u="none" strike="noStrike" cap="none">
         <a:solidFill>
           <a:srgbClr val="000000"/>
         </a:solidFill>
@@ -122,7 +122,7 @@
         <a:sym typeface="Arial"/>
       </a:defRPr>
     </a:lvl4pPr>
-    <a:lvl5pPr lvl="4" marR="0" rtl="0" algn="l">
+    <a:lvl5pPr marR="0" lvl="4" algn="l" rtl="0">
       <a:lnSpc>
         <a:spcPct val="100000"/>
       </a:lnSpc>
@@ -136,7 +136,7 @@
         <a:srgbClr val="000000"/>
       </a:buClr>
       <a:buFont typeface="Arial"/>
-      <a:defRPr b="0" i="0" sz="1400" u="none" cap="none" strike="noStrike">
+      <a:defRPr sz="1400" b="0" i="0" u="none" strike="noStrike" cap="none">
         <a:solidFill>
           <a:srgbClr val="000000"/>
         </a:solidFill>
@@ -146,7 +146,7 @@
         <a:sym typeface="Arial"/>
       </a:defRPr>
     </a:lvl5pPr>
-    <a:lvl6pPr lvl="5" marR="0" rtl="0" algn="l">
+    <a:lvl6pPr marR="0" lvl="5" algn="l" rtl="0">
       <a:lnSpc>
         <a:spcPct val="100000"/>
       </a:lnSpc>
@@ -160,7 +160,7 @@
         <a:srgbClr val="000000"/>
       </a:buClr>
       <a:buFont typeface="Arial"/>
-      <a:defRPr b="0" i="0" sz="1400" u="none" cap="none" strike="noStrike">
+      <a:defRPr sz="1400" b="0" i="0" u="none" strike="noStrike" cap="none">
         <a:solidFill>
           <a:srgbClr val="000000"/>
         </a:solidFill>
@@ -170,7 +170,7 @@
         <a:sym typeface="Arial"/>
       </a:defRPr>
     </a:lvl6pPr>
-    <a:lvl7pPr lvl="6" marR="0" rtl="0" algn="l">
+    <a:lvl7pPr marR="0" lvl="6" algn="l" rtl="0">
       <a:lnSpc>
         <a:spcPct val="100000"/>
       </a:lnSpc>
@@ -184,7 +184,7 @@
         <a:srgbClr val="000000"/>
       </a:buClr>
       <a:buFont typeface="Arial"/>
-      <a:defRPr b="0" i="0" sz="1400" u="none" cap="none" strike="noStrike">
+      <a:defRPr sz="1400" b="0" i="0" u="none" strike="noStrike" cap="none">
         <a:solidFill>
           <a:srgbClr val="000000"/>
         </a:solidFill>
@@ -194,7 +194,7 @@
         <a:sym typeface="Arial"/>
       </a:defRPr>
     </a:lvl7pPr>
-    <a:lvl8pPr lvl="7" marR="0" rtl="0" algn="l">
+    <a:lvl8pPr marR="0" lvl="7" algn="l" rtl="0">
       <a:lnSpc>
         <a:spcPct val="100000"/>
       </a:lnSpc>
@@ -208,7 +208,7 @@
         <a:srgbClr val="000000"/>
       </a:buClr>
       <a:buFont typeface="Arial"/>
-      <a:defRPr b="0" i="0" sz="1400" u="none" cap="none" strike="noStrike">
+      <a:defRPr sz="1400" b="0" i="0" u="none" strike="noStrike" cap="none">
         <a:solidFill>
           <a:srgbClr val="000000"/>
         </a:solidFill>
@@ -218,7 +218,7 @@
         <a:sym typeface="Arial"/>
       </a:defRPr>
     </a:lvl8pPr>
-    <a:lvl9pPr lvl="8" marR="0" rtl="0" algn="l">
+    <a:lvl9pPr marR="0" lvl="8" algn="l" rtl="0">
       <a:lnSpc>
         <a:spcPct val="100000"/>
       </a:lnSpc>
@@ -232,7 +232,7 @@
         <a:srgbClr val="000000"/>
       </a:buClr>
       <a:buFont typeface="Arial"/>
-      <a:defRPr b="0" i="0" sz="1400" u="none" cap="none" strike="noStrike">
+      <a:defRPr sz="1400" b="0" i="0" u="none" strike="noStrike" cap="none">
         <a:solidFill>
           <a:srgbClr val="000000"/>
         </a:solidFill>
@@ -245,7 +245,7 @@
   </p:defaultTextStyle>
   <p:extLst>
     <p:ext uri="{EFAFB233-063F-42B5-8137-9DF3F51BA10A}">
-      <p15:sldGuideLst>
+      <p15:sldGuideLst xmlns:p15="http://schemas.microsoft.com/office/powerpoint/2012/main">
         <p15:guide id="1" orient="horz" pos="1620">
           <p15:clr>
             <a:srgbClr val="A4A3A4"/>
@@ -263,11 +263,16 @@
 </file>
 
 <file path=ppt/notesMasters/notesMaster1.xml><?xml version="1.0" encoding="utf-8"?>
-<p:notesMaster xmlns:a="http://schemas.openxmlformats.org/drawingml/2006/main" xmlns:r="http://schemas.openxmlformats.org/officeDocument/2006/relationships" xmlns:mc="http://schemas.openxmlformats.org/markup-compatibility/2006" xmlns:mv="urn:schemas-microsoft-com:mac:vml" xmlns:p="http://schemas.openxmlformats.org/presentationml/2006/main" xmlns:c="http://schemas.openxmlformats.org/drawingml/2006/chart" xmlns:dgm="http://schemas.openxmlformats.org/drawingml/2006/diagram" xmlns:o="urn:schemas-microsoft-com:office:office" xmlns:v="urn:schemas-microsoft-com:vml" xmlns:pvml="urn:schemas-microsoft-com:office:powerpoint" xmlns:com="http://schemas.openxmlformats.org/drawingml/2006/compatibility" xmlns:p14="http://schemas.microsoft.com/office/powerpoint/2010/main" xmlns:p15="http://schemas.microsoft.com/office/powerpoint/2012/main">
+<p:notesMaster xmlns:a="http://schemas.openxmlformats.org/drawingml/2006/main" xmlns:r="http://schemas.openxmlformats.org/officeDocument/2006/relationships" xmlns:p="http://schemas.openxmlformats.org/presentationml/2006/main">
   <p:cSld>
+    <p:bg>
+      <p:bgRef idx="1001">
+        <a:schemeClr val="bg1"/>
+      </p:bgRef>
+    </p:bg>
     <p:spTree>
       <p:nvGrpSpPr>
-        <p:cNvPr id="2" name="Shape 2"/>
+        <p:cNvPr id="1" name="Shape 2"/>
         <p:cNvGrpSpPr/>
         <p:nvPr/>
       </p:nvGrpSpPr>
@@ -282,9 +287,11 @@
       <p:sp>
         <p:nvSpPr>
           <p:cNvPr id="3" name="Google Shape;3;n"/>
-          <p:cNvSpPr/>
+          <p:cNvSpPr>
+            <a:spLocks noGrp="1" noRot="1" noChangeAspect="1"/>
+          </p:cNvSpPr>
           <p:nvPr>
-            <p:ph idx="2" type="sldImg"/>
+            <p:ph type="sldImg" idx="2"/>
           </p:nvPr>
         </p:nvSpPr>
         <p:spPr>
@@ -293,9 +300,13 @@
             <a:ext cx="6096075" cy="3429000"/>
           </a:xfrm>
           <a:custGeom>
-            <a:rect b="b" l="l" r="r" t="t"/>
+            <a:avLst/>
+            <a:gdLst/>
+            <a:ahLst/>
+            <a:cxnLst/>
+            <a:rect l="l" t="t" r="r" b="b"/>
             <a:pathLst>
-              <a:path extrusionOk="0" h="120000" w="120000">
+              <a:path w="120000" h="120000" extrusionOk="0">
                 <a:moveTo>
                   <a:pt x="0" y="0"/>
                 </a:moveTo>
@@ -313,23 +324,25 @@
             </a:pathLst>
           </a:custGeom>
           <a:noFill/>
-          <a:ln cap="flat" cmpd="sng" w="9525">
+          <a:ln w="9525" cap="flat" cmpd="sng">
             <a:solidFill>
               <a:srgbClr val="000000"/>
             </a:solidFill>
             <a:prstDash val="solid"/>
             <a:round/>
-            <a:headEnd len="sm" w="sm" type="none"/>
-            <a:tailEnd len="sm" w="sm" type="none"/>
+            <a:headEnd type="none" w="sm" len="sm"/>
+            <a:tailEnd type="none" w="sm" len="sm"/>
           </a:ln>
         </p:spPr>
       </p:sp>
       <p:sp>
         <p:nvSpPr>
           <p:cNvPr id="4" name="Google Shape;4;n"/>
-          <p:cNvSpPr txBox="1"/>
+          <p:cNvSpPr txBox="1">
+            <a:spLocks noGrp="1"/>
+          </p:cNvSpPr>
           <p:nvPr>
-            <p:ph idx="1" type="body"/>
+            <p:ph type="body" idx="1"/>
           </p:nvPr>
         </p:nvSpPr>
         <p:spPr>
@@ -346,9 +359,9 @@
           </a:ln>
         </p:spPr>
         <p:txBody>
-          <a:bodyPr anchorCtr="0" anchor="t" bIns="91425" lIns="91425" spcFirstLastPara="1" rIns="91425" wrap="square" tIns="91425"/>
+          <a:bodyPr spcFirstLastPara="1" wrap="square" lIns="91425" tIns="91425" rIns="91425" bIns="91425" anchor="t" anchorCtr="0"/>
           <a:lstStyle>
-            <a:lvl1pPr indent="-298450" lvl="0" marL="457200">
+            <a:lvl1pPr marL="457200" lvl="0" indent="-298450">
               <a:spcBef>
                 <a:spcPts val="0"/>
               </a:spcBef>
@@ -359,7 +372,7 @@
               <a:buChar char="●"/>
               <a:defRPr sz="1100"/>
             </a:lvl1pPr>
-            <a:lvl2pPr indent="-298450" lvl="1" marL="914400">
+            <a:lvl2pPr marL="914400" lvl="1" indent="-298450">
               <a:spcBef>
                 <a:spcPts val="0"/>
               </a:spcBef>
@@ -370,7 +383,7 @@
               <a:buChar char="○"/>
               <a:defRPr sz="1100"/>
             </a:lvl2pPr>
-            <a:lvl3pPr indent="-298450" lvl="2" marL="1371600">
+            <a:lvl3pPr marL="1371600" lvl="2" indent="-298450">
               <a:spcBef>
                 <a:spcPts val="0"/>
               </a:spcBef>
@@ -381,7 +394,7 @@
               <a:buChar char="■"/>
               <a:defRPr sz="1100"/>
             </a:lvl3pPr>
-            <a:lvl4pPr indent="-298450" lvl="3" marL="1828800">
+            <a:lvl4pPr marL="1828800" lvl="3" indent="-298450">
               <a:spcBef>
                 <a:spcPts val="0"/>
               </a:spcBef>
@@ -392,7 +405,7 @@
               <a:buChar char="●"/>
               <a:defRPr sz="1100"/>
             </a:lvl4pPr>
-            <a:lvl5pPr indent="-298450" lvl="4" marL="2286000">
+            <a:lvl5pPr marL="2286000" lvl="4" indent="-298450">
               <a:spcBef>
                 <a:spcPts val="0"/>
               </a:spcBef>
@@ -403,7 +416,7 @@
               <a:buChar char="○"/>
               <a:defRPr sz="1100"/>
             </a:lvl5pPr>
-            <a:lvl6pPr indent="-298450" lvl="5" marL="2743200">
+            <a:lvl6pPr marL="2743200" lvl="5" indent="-298450">
               <a:spcBef>
                 <a:spcPts val="0"/>
               </a:spcBef>
@@ -414,7 +427,7 @@
               <a:buChar char="■"/>
               <a:defRPr sz="1100"/>
             </a:lvl6pPr>
-            <a:lvl7pPr indent="-298450" lvl="6" marL="3200400">
+            <a:lvl7pPr marL="3200400" lvl="6" indent="-298450">
               <a:spcBef>
                 <a:spcPts val="0"/>
               </a:spcBef>
@@ -425,7 +438,7 @@
               <a:buChar char="●"/>
               <a:defRPr sz="1100"/>
             </a:lvl7pPr>
-            <a:lvl8pPr indent="-298450" lvl="7" marL="3657600">
+            <a:lvl8pPr marL="3657600" lvl="7" indent="-298450">
               <a:spcBef>
                 <a:spcPts val="0"/>
               </a:spcBef>
@@ -436,7 +449,7 @@
               <a:buChar char="○"/>
               <a:defRPr sz="1100"/>
             </a:lvl8pPr>
-            <a:lvl9pPr indent="-298450" lvl="8" marL="4114800">
+            <a:lvl9pPr marL="4114800" lvl="8" indent="-298450">
               <a:spcBef>
                 <a:spcPts val="0"/>
               </a:spcBef>
@@ -448,14 +461,16 @@
               <a:defRPr sz="1100"/>
             </a:lvl9pPr>
           </a:lstStyle>
-          <a:p/>
+          <a:p>
+            <a:endParaRPr/>
+          </a:p>
         </p:txBody>
       </p:sp>
     </p:spTree>
   </p:cSld>
-  <p:clrMap accent1="accent1" accent2="accent2" accent3="accent3" accent4="accent4" accent5="accent5" accent6="accent6" bg1="lt1" bg2="dk2" tx1="dk1" tx2="lt2" folHlink="folHlink" hlink="hlink"/>
+  <p:clrMap bg1="lt1" tx1="dk1" bg2="dk2" tx2="lt2" accent1="accent1" accent2="accent2" accent3="accent3" accent4="accent4" accent5="accent5" accent6="accent6" hlink="hlink" folHlink="folHlink"/>
   <p:notesStyle>
-    <a:defPPr lvl="0" marR="0" rtl="0" algn="l">
+    <a:defPPr marR="0" lvl="0" algn="l" rtl="0">
       <a:lnSpc>
         <a:spcPct val="100000"/>
       </a:lnSpc>
@@ -466,7 +481,7 @@
         <a:spcPts val="0"/>
       </a:spcAft>
     </a:defPPr>
-    <a:lvl1pPr lvl="0" marR="0" rtl="0" algn="l">
+    <a:lvl1pPr marR="0" lvl="0" algn="l" rtl="0">
       <a:lnSpc>
         <a:spcPct val="100000"/>
       </a:lnSpc>
@@ -480,7 +495,7 @@
         <a:srgbClr val="000000"/>
       </a:buClr>
       <a:buFont typeface="Arial"/>
-      <a:defRPr b="0" i="0" sz="1400" u="none" cap="none" strike="noStrike">
+      <a:defRPr sz="1400" b="0" i="0" u="none" strike="noStrike" cap="none">
         <a:solidFill>
           <a:srgbClr val="000000"/>
         </a:solidFill>
@@ -490,7 +505,7 @@
         <a:sym typeface="Arial"/>
       </a:defRPr>
     </a:lvl1pPr>
-    <a:lvl2pPr lvl="1" marR="0" rtl="0" algn="l">
+    <a:lvl2pPr marR="0" lvl="1" algn="l" rtl="0">
       <a:lnSpc>
         <a:spcPct val="100000"/>
       </a:lnSpc>
@@ -504,7 +519,7 @@
         <a:srgbClr val="000000"/>
       </a:buClr>
       <a:buFont typeface="Arial"/>
-      <a:defRPr b="0" i="0" sz="1400" u="none" cap="none" strike="noStrike">
+      <a:defRPr sz="1400" b="0" i="0" u="none" strike="noStrike" cap="none">
         <a:solidFill>
           <a:srgbClr val="000000"/>
         </a:solidFill>
@@ -514,7 +529,7 @@
         <a:sym typeface="Arial"/>
       </a:defRPr>
     </a:lvl2pPr>
-    <a:lvl3pPr lvl="2" marR="0" rtl="0" algn="l">
+    <a:lvl3pPr marR="0" lvl="2" algn="l" rtl="0">
       <a:lnSpc>
         <a:spcPct val="100000"/>
       </a:lnSpc>
@@ -528,7 +543,7 @@
         <a:srgbClr val="000000"/>
       </a:buClr>
       <a:buFont typeface="Arial"/>
-      <a:defRPr b="0" i="0" sz="1400" u="none" cap="none" strike="noStrike">
+      <a:defRPr sz="1400" b="0" i="0" u="none" strike="noStrike" cap="none">
         <a:solidFill>
           <a:srgbClr val="000000"/>
         </a:solidFill>
@@ -538,7 +553,7 @@
         <a:sym typeface="Arial"/>
       </a:defRPr>
     </a:lvl3pPr>
-    <a:lvl4pPr lvl="3" marR="0" rtl="0" algn="l">
+    <a:lvl4pPr marR="0" lvl="3" algn="l" rtl="0">
       <a:lnSpc>
         <a:spcPct val="100000"/>
       </a:lnSpc>
@@ -552,7 +567,7 @@
         <a:srgbClr val="000000"/>
       </a:buClr>
       <a:buFont typeface="Arial"/>
-      <a:defRPr b="0" i="0" sz="1400" u="none" cap="none" strike="noStrike">
+      <a:defRPr sz="1400" b="0" i="0" u="none" strike="noStrike" cap="none">
         <a:solidFill>
           <a:srgbClr val="000000"/>
         </a:solidFill>
@@ -562,7 +577,7 @@
         <a:sym typeface="Arial"/>
       </a:defRPr>
     </a:lvl4pPr>
-    <a:lvl5pPr lvl="4" marR="0" rtl="0" algn="l">
+    <a:lvl5pPr marR="0" lvl="4" algn="l" rtl="0">
       <a:lnSpc>
         <a:spcPct val="100000"/>
       </a:lnSpc>
@@ -576,7 +591,7 @@
         <a:srgbClr val="000000"/>
       </a:buClr>
       <a:buFont typeface="Arial"/>
-      <a:defRPr b="0" i="0" sz="1400" u="none" cap="none" strike="noStrike">
+      <a:defRPr sz="1400" b="0" i="0" u="none" strike="noStrike" cap="none">
         <a:solidFill>
           <a:srgbClr val="000000"/>
         </a:solidFill>
@@ -586,7 +601,7 @@
         <a:sym typeface="Arial"/>
       </a:defRPr>
     </a:lvl5pPr>
-    <a:lvl6pPr lvl="5" marR="0" rtl="0" algn="l">
+    <a:lvl6pPr marR="0" lvl="5" algn="l" rtl="0">
       <a:lnSpc>
         <a:spcPct val="100000"/>
       </a:lnSpc>
@@ -600,7 +615,7 @@
         <a:srgbClr val="000000"/>
       </a:buClr>
       <a:buFont typeface="Arial"/>
-      <a:defRPr b="0" i="0" sz="1400" u="none" cap="none" strike="noStrike">
+      <a:defRPr sz="1400" b="0" i="0" u="none" strike="noStrike" cap="none">
         <a:solidFill>
           <a:srgbClr val="000000"/>
         </a:solidFill>
@@ -610,7 +625,7 @@
         <a:sym typeface="Arial"/>
       </a:defRPr>
     </a:lvl6pPr>
-    <a:lvl7pPr lvl="6" marR="0" rtl="0" algn="l">
+    <a:lvl7pPr marR="0" lvl="6" algn="l" rtl="0">
       <a:lnSpc>
         <a:spcPct val="100000"/>
       </a:lnSpc>
@@ -624,7 +639,7 @@
         <a:srgbClr val="000000"/>
       </a:buClr>
       <a:buFont typeface="Arial"/>
-      <a:defRPr b="0" i="0" sz="1400" u="none" cap="none" strike="noStrike">
+      <a:defRPr sz="1400" b="0" i="0" u="none" strike="noStrike" cap="none">
         <a:solidFill>
           <a:srgbClr val="000000"/>
         </a:solidFill>
@@ -634,7 +649,7 @@
         <a:sym typeface="Arial"/>
       </a:defRPr>
     </a:lvl7pPr>
-    <a:lvl8pPr lvl="7" marR="0" rtl="0" algn="l">
+    <a:lvl8pPr marR="0" lvl="7" algn="l" rtl="0">
       <a:lnSpc>
         <a:spcPct val="100000"/>
       </a:lnSpc>
@@ -648,7 +663,7 @@
         <a:srgbClr val="000000"/>
       </a:buClr>
       <a:buFont typeface="Arial"/>
-      <a:defRPr b="0" i="0" sz="1400" u="none" cap="none" strike="noStrike">
+      <a:defRPr sz="1400" b="0" i="0" u="none" strike="noStrike" cap="none">
         <a:solidFill>
           <a:srgbClr val="000000"/>
         </a:solidFill>
@@ -658,7 +673,7 @@
         <a:sym typeface="Arial"/>
       </a:defRPr>
     </a:lvl8pPr>
-    <a:lvl9pPr lvl="8" marR="0" rtl="0" algn="l">
+    <a:lvl9pPr marR="0" lvl="8" algn="l" rtl="0">
       <a:lnSpc>
         <a:spcPct val="100000"/>
       </a:lnSpc>
@@ -672,7 +687,7 @@
         <a:srgbClr val="000000"/>
       </a:buClr>
       <a:buFont typeface="Arial"/>
-      <a:defRPr b="0" i="0" sz="1400" u="none" cap="none" strike="noStrike">
+      <a:defRPr sz="1400" b="0" i="0" u="none" strike="noStrike" cap="none">
         <a:solidFill>
           <a:srgbClr val="000000"/>
         </a:solidFill>
@@ -687,11 +702,11 @@
 </file>
 
 <file path=ppt/notesSlides/notesSlide1.xml><?xml version="1.0" encoding="utf-8"?>
-<p:notes xmlns:a="http://schemas.openxmlformats.org/drawingml/2006/main" xmlns:r="http://schemas.openxmlformats.org/officeDocument/2006/relationships" xmlns:mc="http://schemas.openxmlformats.org/markup-compatibility/2006" xmlns:mv="urn:schemas-microsoft-com:mac:vml" xmlns:p="http://schemas.openxmlformats.org/presentationml/2006/main" xmlns:c="http://schemas.openxmlformats.org/drawingml/2006/chart" xmlns:dgm="http://schemas.openxmlformats.org/drawingml/2006/diagram" xmlns:o="urn:schemas-microsoft-com:office:office" xmlns:v="urn:schemas-microsoft-com:vml" xmlns:pvml="urn:schemas-microsoft-com:office:powerpoint" xmlns:com="http://schemas.openxmlformats.org/drawingml/2006/compatibility" xmlns:p14="http://schemas.microsoft.com/office/powerpoint/2010/main" xmlns:p15="http://schemas.microsoft.com/office/powerpoint/2012/main" showMasterPhAnim="0" showMasterSp="0">
+<p:notes xmlns:a="http://schemas.openxmlformats.org/drawingml/2006/main" xmlns:r="http://schemas.openxmlformats.org/officeDocument/2006/relationships" xmlns:p="http://schemas.openxmlformats.org/presentationml/2006/main" showMasterSp="0" showMasterPhAnim="0">
   <p:cSld>
     <p:spTree>
       <p:nvGrpSpPr>
-        <p:cNvPr id="50" name="Shape 50"/>
+        <p:cNvPr id="1" name="Shape 50"/>
         <p:cNvGrpSpPr/>
         <p:nvPr/>
       </p:nvGrpSpPr>
@@ -706,9 +721,11 @@
       <p:sp>
         <p:nvSpPr>
           <p:cNvPr id="51" name="Google Shape;51;p:notes"/>
-          <p:cNvSpPr/>
+          <p:cNvSpPr>
+            <a:spLocks noGrp="1" noRot="1" noChangeAspect="1"/>
+          </p:cNvSpPr>
           <p:nvPr>
-            <p:ph idx="2" type="sldImg"/>
+            <p:ph type="sldImg" idx="2"/>
           </p:nvPr>
         </p:nvSpPr>
         <p:spPr>
@@ -717,9 +734,13 @@
             <a:ext cx="6096075" cy="3429000"/>
           </a:xfrm>
           <a:custGeom>
-            <a:rect b="b" l="l" r="r" t="t"/>
+            <a:avLst/>
+            <a:gdLst/>
+            <a:ahLst/>
+            <a:cxnLst/>
+            <a:rect l="l" t="t" r="r" b="b"/>
             <a:pathLst>
-              <a:path extrusionOk="0" h="120000" w="120000">
+              <a:path w="120000" h="120000" extrusionOk="0">
                 <a:moveTo>
                   <a:pt x="0" y="0"/>
                 </a:moveTo>
@@ -741,9 +762,11 @@
       <p:sp>
         <p:nvSpPr>
           <p:cNvPr id="52" name="Google Shape;52;p:notes"/>
-          <p:cNvSpPr txBox="1"/>
+          <p:cNvSpPr txBox="1">
+            <a:spLocks noGrp="1"/>
+          </p:cNvSpPr>
           <p:nvPr>
-            <p:ph idx="1" type="body"/>
+            <p:ph type="body" idx="1"/>
           </p:nvPr>
         </p:nvSpPr>
         <p:spPr>
@@ -756,12 +779,12 @@
           </a:prstGeom>
         </p:spPr>
         <p:txBody>
-          <a:bodyPr anchorCtr="0" anchor="t" bIns="91425" lIns="91425" spcFirstLastPara="1" rIns="91425" wrap="square" tIns="91425">
+          <a:bodyPr spcFirstLastPara="1" wrap="square" lIns="91425" tIns="91425" rIns="91425" bIns="91425" anchor="t" anchorCtr="0">
             <a:noAutofit/>
           </a:bodyPr>
           <a:lstStyle/>
           <a:p>
-            <a:pPr indent="0" lvl="0" marL="0" rtl="0" algn="l">
+            <a:pPr marL="0" lvl="0" indent="0" algn="l" rtl="0">
               <a:spcBef>
                 <a:spcPts val="0"/>
               </a:spcBef>
@@ -770,9 +793,6 @@
               </a:spcAft>
               <a:buNone/>
             </a:pPr>
-            <a:r>
-              <a:t/>
-            </a:r>
             <a:endParaRPr/>
           </a:p>
         </p:txBody>
@@ -786,11 +806,11 @@
 </file>
 
 <file path=ppt/notesSlides/notesSlide2.xml><?xml version="1.0" encoding="utf-8"?>
-<p:notes xmlns:a="http://schemas.openxmlformats.org/drawingml/2006/main" xmlns:r="http://schemas.openxmlformats.org/officeDocument/2006/relationships" xmlns:mc="http://schemas.openxmlformats.org/markup-compatibility/2006" xmlns:mv="urn:schemas-microsoft-com:mac:vml" xmlns:p="http://schemas.openxmlformats.org/presentationml/2006/main" xmlns:c="http://schemas.openxmlformats.org/drawingml/2006/chart" xmlns:dgm="http://schemas.openxmlformats.org/drawingml/2006/diagram" xmlns:o="urn:schemas-microsoft-com:office:office" xmlns:v="urn:schemas-microsoft-com:vml" xmlns:pvml="urn:schemas-microsoft-com:office:powerpoint" xmlns:com="http://schemas.openxmlformats.org/drawingml/2006/compatibility" xmlns:p14="http://schemas.microsoft.com/office/powerpoint/2010/main" xmlns:p15="http://schemas.microsoft.com/office/powerpoint/2012/main" showMasterPhAnim="0" showMasterSp="0">
+<p:notes xmlns:a="http://schemas.openxmlformats.org/drawingml/2006/main" xmlns:r="http://schemas.openxmlformats.org/officeDocument/2006/relationships" xmlns:p="http://schemas.openxmlformats.org/presentationml/2006/main" showMasterSp="0" showMasterPhAnim="0">
   <p:cSld>
     <p:spTree>
       <p:nvGrpSpPr>
-        <p:cNvPr id="56" name="Shape 56"/>
+        <p:cNvPr id="1" name="Shape 56"/>
         <p:cNvGrpSpPr/>
         <p:nvPr/>
       </p:nvGrpSpPr>
@@ -805,20 +825,26 @@
       <p:sp>
         <p:nvSpPr>
           <p:cNvPr id="57" name="Google Shape;57;g56e7b90070_0_2:notes"/>
-          <p:cNvSpPr/>
+          <p:cNvSpPr>
+            <a:spLocks noGrp="1" noRot="1" noChangeAspect="1"/>
+          </p:cNvSpPr>
           <p:nvPr>
-            <p:ph idx="2" type="sldImg"/>
+            <p:ph type="sldImg" idx="2"/>
           </p:nvPr>
         </p:nvSpPr>
         <p:spPr>
           <a:xfrm>
-            <a:off x="381300" y="685800"/>
+            <a:off x="381000" y="685800"/>
             <a:ext cx="6096000" cy="3429000"/>
           </a:xfrm>
           <a:custGeom>
-            <a:rect b="b" l="l" r="r" t="t"/>
+            <a:avLst/>
+            <a:gdLst/>
+            <a:ahLst/>
+            <a:cxnLst/>
+            <a:rect l="l" t="t" r="r" b="b"/>
             <a:pathLst>
-              <a:path extrusionOk="0" h="120000" w="120000">
+              <a:path w="120000" h="120000" extrusionOk="0">
                 <a:moveTo>
                   <a:pt x="0" y="0"/>
                 </a:moveTo>
@@ -840,9 +866,11 @@
       <p:sp>
         <p:nvSpPr>
           <p:cNvPr id="58" name="Google Shape;58;g56e7b90070_0_2:notes"/>
-          <p:cNvSpPr txBox="1"/>
+          <p:cNvSpPr txBox="1">
+            <a:spLocks noGrp="1"/>
+          </p:cNvSpPr>
           <p:nvPr>
-            <p:ph idx="1" type="body"/>
+            <p:ph type="body" idx="1"/>
           </p:nvPr>
         </p:nvSpPr>
         <p:spPr>
@@ -855,12 +883,12 @@
           </a:prstGeom>
         </p:spPr>
         <p:txBody>
-          <a:bodyPr anchorCtr="0" anchor="t" bIns="91425" lIns="91425" spcFirstLastPara="1" rIns="91425" wrap="square" tIns="91425">
+          <a:bodyPr spcFirstLastPara="1" wrap="square" lIns="91425" tIns="91425" rIns="91425" bIns="91425" anchor="t" anchorCtr="0">
             <a:noAutofit/>
           </a:bodyPr>
           <a:lstStyle/>
           <a:p>
-            <a:pPr indent="0" lvl="0" marL="0" rtl="0" algn="l">
+            <a:pPr marL="0" lvl="0" indent="0" algn="l" rtl="0">
               <a:spcBef>
                 <a:spcPts val="0"/>
               </a:spcBef>
@@ -869,9 +897,6 @@
               </a:spcAft>
               <a:buNone/>
             </a:pPr>
-            <a:r>
-              <a:t/>
-            </a:r>
             <a:endParaRPr/>
           </a:p>
         </p:txBody>
@@ -885,11 +910,11 @@
 </file>
 
 <file path=ppt/notesSlides/notesSlide3.xml><?xml version="1.0" encoding="utf-8"?>
-<p:notes xmlns:a="http://schemas.openxmlformats.org/drawingml/2006/main" xmlns:r="http://schemas.openxmlformats.org/officeDocument/2006/relationships" xmlns:mc="http://schemas.openxmlformats.org/markup-compatibility/2006" xmlns:mv="urn:schemas-microsoft-com:mac:vml" xmlns:p="http://schemas.openxmlformats.org/presentationml/2006/main" xmlns:c="http://schemas.openxmlformats.org/drawingml/2006/chart" xmlns:dgm="http://schemas.openxmlformats.org/drawingml/2006/diagram" xmlns:o="urn:schemas-microsoft-com:office:office" xmlns:v="urn:schemas-microsoft-com:vml" xmlns:pvml="urn:schemas-microsoft-com:office:powerpoint" xmlns:com="http://schemas.openxmlformats.org/drawingml/2006/compatibility" xmlns:p14="http://schemas.microsoft.com/office/powerpoint/2010/main" xmlns:p15="http://schemas.microsoft.com/office/powerpoint/2012/main" showMasterPhAnim="0" showMasterSp="0">
+<p:notes xmlns:a="http://schemas.openxmlformats.org/drawingml/2006/main" xmlns:r="http://schemas.openxmlformats.org/officeDocument/2006/relationships" xmlns:p="http://schemas.openxmlformats.org/presentationml/2006/main" showMasterSp="0" showMasterPhAnim="0">
   <p:cSld>
     <p:spTree>
       <p:nvGrpSpPr>
-        <p:cNvPr id="62" name="Shape 62"/>
+        <p:cNvPr id="1" name="Shape 62"/>
         <p:cNvGrpSpPr/>
         <p:nvPr/>
       </p:nvGrpSpPr>
@@ -904,9 +929,11 @@
       <p:sp>
         <p:nvSpPr>
           <p:cNvPr id="63" name="Google Shape;63;g56e7b90070_0_8:notes"/>
-          <p:cNvSpPr/>
+          <p:cNvSpPr>
+            <a:spLocks noGrp="1" noRot="1" noChangeAspect="1"/>
+          </p:cNvSpPr>
           <p:nvPr>
-            <p:ph idx="2" type="sldImg"/>
+            <p:ph type="sldImg" idx="2"/>
           </p:nvPr>
         </p:nvSpPr>
         <p:spPr>
@@ -915,9 +942,13 @@
             <a:ext cx="6096000" cy="3429000"/>
           </a:xfrm>
           <a:custGeom>
-            <a:rect b="b" l="l" r="r" t="t"/>
+            <a:avLst/>
+            <a:gdLst/>
+            <a:ahLst/>
+            <a:cxnLst/>
+            <a:rect l="l" t="t" r="r" b="b"/>
             <a:pathLst>
-              <a:path extrusionOk="0" h="120000" w="120000">
+              <a:path w="120000" h="120000" extrusionOk="0">
                 <a:moveTo>
                   <a:pt x="0" y="0"/>
                 </a:moveTo>
@@ -939,9 +970,11 @@
       <p:sp>
         <p:nvSpPr>
           <p:cNvPr id="64" name="Google Shape;64;g56e7b90070_0_8:notes"/>
-          <p:cNvSpPr txBox="1"/>
+          <p:cNvSpPr txBox="1">
+            <a:spLocks noGrp="1"/>
+          </p:cNvSpPr>
           <p:nvPr>
-            <p:ph idx="1" type="body"/>
+            <p:ph type="body" idx="1"/>
           </p:nvPr>
         </p:nvSpPr>
         <p:spPr>
@@ -954,12 +987,12 @@
           </a:prstGeom>
         </p:spPr>
         <p:txBody>
-          <a:bodyPr anchorCtr="0" anchor="t" bIns="91425" lIns="91425" spcFirstLastPara="1" rIns="91425" wrap="square" tIns="91425">
+          <a:bodyPr spcFirstLastPara="1" wrap="square" lIns="91425" tIns="91425" rIns="91425" bIns="91425" anchor="t" anchorCtr="0">
             <a:noAutofit/>
           </a:bodyPr>
           <a:lstStyle/>
           <a:p>
-            <a:pPr indent="0" lvl="0" marL="0" rtl="0" algn="l">
+            <a:pPr marL="0" lvl="0" indent="0" algn="l" rtl="0">
               <a:spcBef>
                 <a:spcPts val="0"/>
               </a:spcBef>
@@ -968,9 +1001,6 @@
               </a:spcAft>
               <a:buNone/>
             </a:pPr>
-            <a:r>
-              <a:t/>
-            </a:r>
             <a:endParaRPr/>
           </a:p>
         </p:txBody>
@@ -984,11 +1014,11 @@
 </file>
 
 <file path=ppt/slideLayouts/slideLayout1.xml><?xml version="1.0" encoding="utf-8"?>
-<p:sldLayout xmlns:a="http://schemas.openxmlformats.org/drawingml/2006/main" xmlns:r="http://schemas.openxmlformats.org/officeDocument/2006/relationships" xmlns:mc="http://schemas.openxmlformats.org/markup-compatibility/2006" xmlns:mv="urn:schemas-microsoft-com:mac:vml" xmlns:p="http://schemas.openxmlformats.org/presentationml/2006/main" xmlns:c="http://schemas.openxmlformats.org/drawingml/2006/chart" xmlns:dgm="http://schemas.openxmlformats.org/drawingml/2006/diagram" xmlns:o="urn:schemas-microsoft-com:office:office" xmlns:v="urn:schemas-microsoft-com:vml" xmlns:pvml="urn:schemas-microsoft-com:office:powerpoint" xmlns:com="http://schemas.openxmlformats.org/drawingml/2006/compatibility" xmlns:p14="http://schemas.microsoft.com/office/powerpoint/2010/main" xmlns:p15="http://schemas.microsoft.com/office/powerpoint/2012/main" matchingName="Title slide" type="title">
+<p:sldLayout xmlns:a="http://schemas.openxmlformats.org/drawingml/2006/main" xmlns:r="http://schemas.openxmlformats.org/officeDocument/2006/relationships" xmlns:p="http://schemas.openxmlformats.org/presentationml/2006/main" matchingName="Title slide" type="title">
   <p:cSld name="TITLE">
     <p:spTree>
       <p:nvGrpSpPr>
-        <p:cNvPr id="9" name="Shape 9"/>
+        <p:cNvPr id="1" name="Shape 9"/>
         <p:cNvGrpSpPr/>
         <p:nvPr/>
       </p:nvGrpSpPr>
@@ -1003,7 +1033,9 @@
       <p:sp>
         <p:nvSpPr>
           <p:cNvPr id="10" name="Google Shape;10;p2"/>
-          <p:cNvSpPr txBox="1"/>
+          <p:cNvSpPr txBox="1">
+            <a:spLocks noGrp="1"/>
+          </p:cNvSpPr>
           <p:nvPr>
             <p:ph type="ctrTitle"/>
           </p:nvPr>
@@ -1018,7 +1050,7 @@
           </a:prstGeom>
         </p:spPr>
         <p:txBody>
-          <a:bodyPr anchorCtr="0" anchor="b" bIns="91425" lIns="91425" spcFirstLastPara="1" rIns="91425" wrap="square" tIns="91425"/>
+          <a:bodyPr spcFirstLastPara="1" wrap="square" lIns="91425" tIns="91425" rIns="91425" bIns="91425" anchor="b" anchorCtr="0"/>
           <a:lstStyle>
             <a:lvl1pPr lvl="0" algn="ctr">
               <a:spcBef>
@@ -1120,15 +1152,19 @@
               <a:defRPr sz="5200"/>
             </a:lvl9pPr>
           </a:lstStyle>
-          <a:p/>
+          <a:p>
+            <a:endParaRPr/>
+          </a:p>
         </p:txBody>
       </p:sp>
       <p:sp>
         <p:nvSpPr>
           <p:cNvPr id="11" name="Google Shape;11;p2"/>
-          <p:cNvSpPr txBox="1"/>
+          <p:cNvSpPr txBox="1">
+            <a:spLocks noGrp="1"/>
+          </p:cNvSpPr>
           <p:nvPr>
-            <p:ph idx="1" type="subTitle"/>
+            <p:ph type="subTitle" idx="1"/>
           </p:nvPr>
         </p:nvSpPr>
         <p:spPr>
@@ -1141,7 +1177,7 @@
           </a:prstGeom>
         </p:spPr>
         <p:txBody>
-          <a:bodyPr anchorCtr="0" anchor="t" bIns="91425" lIns="91425" spcFirstLastPara="1" rIns="91425" wrap="square" tIns="91425"/>
+          <a:bodyPr spcFirstLastPara="1" wrap="square" lIns="91425" tIns="91425" rIns="91425" bIns="91425" anchor="t" anchorCtr="0"/>
           <a:lstStyle>
             <a:lvl1pPr lvl="0" algn="ctr">
               <a:lnSpc>
@@ -1270,15 +1306,19 @@
               <a:defRPr sz="2800"/>
             </a:lvl9pPr>
           </a:lstStyle>
-          <a:p/>
+          <a:p>
+            <a:endParaRPr/>
+          </a:p>
         </p:txBody>
       </p:sp>
       <p:sp>
         <p:nvSpPr>
           <p:cNvPr id="12" name="Google Shape;12;p2"/>
-          <p:cNvSpPr txBox="1"/>
+          <p:cNvSpPr txBox="1">
+            <a:spLocks noGrp="1"/>
+          </p:cNvSpPr>
           <p:nvPr>
-            <p:ph idx="12" type="sldNum"/>
+            <p:ph type="sldNum" idx="12"/>
           </p:nvPr>
         </p:nvSpPr>
         <p:spPr>
@@ -1291,7 +1331,7 @@
           </a:prstGeom>
         </p:spPr>
         <p:txBody>
-          <a:bodyPr anchorCtr="0" anchor="ctr" bIns="91425" lIns="91425" spcFirstLastPara="1" rIns="91425" wrap="square" tIns="91425">
+          <a:bodyPr spcFirstLastPara="1" wrap="square" lIns="91425" tIns="91425" rIns="91425" bIns="91425" anchor="ctr" anchorCtr="0">
             <a:noAutofit/>
           </a:bodyPr>
           <a:lstStyle>
@@ -1333,7 +1373,7 @@
             </a:lvl9pPr>
           </a:lstStyle>
           <a:p>
-            <a:pPr indent="0" lvl="0" marL="0" rtl="0" algn="r">
+            <a:pPr marL="0" lvl="0" indent="0" algn="r" rtl="0">
               <a:spcBef>
                 <a:spcPts val="0"/>
               </a:spcBef>
@@ -1359,11 +1399,11 @@
 </file>
 
 <file path=ppt/slideLayouts/slideLayout10.xml><?xml version="1.0" encoding="utf-8"?>
-<p:sldLayout xmlns:a="http://schemas.openxmlformats.org/drawingml/2006/main" xmlns:r="http://schemas.openxmlformats.org/officeDocument/2006/relationships" xmlns:mc="http://schemas.openxmlformats.org/markup-compatibility/2006" xmlns:mv="urn:schemas-microsoft-com:mac:vml" xmlns:p="http://schemas.openxmlformats.org/presentationml/2006/main" xmlns:c="http://schemas.openxmlformats.org/drawingml/2006/chart" xmlns:dgm="http://schemas.openxmlformats.org/drawingml/2006/diagram" xmlns:o="urn:schemas-microsoft-com:office:office" xmlns:v="urn:schemas-microsoft-com:vml" xmlns:pvml="urn:schemas-microsoft-com:office:powerpoint" xmlns:com="http://schemas.openxmlformats.org/drawingml/2006/compatibility" xmlns:p14="http://schemas.microsoft.com/office/powerpoint/2010/main" xmlns:p15="http://schemas.microsoft.com/office/powerpoint/2012/main" matchingName="Big number">
+<p:sldLayout xmlns:a="http://schemas.openxmlformats.org/drawingml/2006/main" xmlns:r="http://schemas.openxmlformats.org/officeDocument/2006/relationships" xmlns:p="http://schemas.openxmlformats.org/presentationml/2006/main" matchingName="Big number">
   <p:cSld name="BIG_NUMBER">
     <p:spTree>
       <p:nvGrpSpPr>
-        <p:cNvPr id="44" name="Shape 44"/>
+        <p:cNvPr id="1" name="Shape 44"/>
         <p:cNvGrpSpPr/>
         <p:nvPr/>
       </p:nvGrpSpPr>
@@ -1378,9 +1418,11 @@
       <p:sp>
         <p:nvSpPr>
           <p:cNvPr id="45" name="Google Shape;45;p11"/>
-          <p:cNvSpPr txBox="1"/>
+          <p:cNvSpPr txBox="1">
+            <a:spLocks noGrp="1"/>
+          </p:cNvSpPr>
           <p:nvPr>
-            <p:ph hasCustomPrompt="1" type="title"/>
+            <p:ph type="title" hasCustomPrompt="1"/>
           </p:nvPr>
         </p:nvSpPr>
         <p:spPr>
@@ -1393,7 +1435,7 @@
           </a:prstGeom>
         </p:spPr>
         <p:txBody>
-          <a:bodyPr anchorCtr="0" anchor="b" bIns="91425" lIns="91425" spcFirstLastPara="1" rIns="91425" wrap="square" tIns="91425"/>
+          <a:bodyPr spcFirstLastPara="1" wrap="square" lIns="91425" tIns="91425" rIns="91425" bIns="91425" anchor="b" anchorCtr="0"/>
           <a:lstStyle>
             <a:lvl1pPr lvl="0" algn="ctr">
               <a:spcBef>
@@ -1505,9 +1547,11 @@
       <p:sp>
         <p:nvSpPr>
           <p:cNvPr id="46" name="Google Shape;46;p11"/>
-          <p:cNvSpPr txBox="1"/>
+          <p:cNvSpPr txBox="1">
+            <a:spLocks noGrp="1"/>
+          </p:cNvSpPr>
           <p:nvPr>
-            <p:ph idx="1" type="body"/>
+            <p:ph type="body" idx="1"/>
           </p:nvPr>
         </p:nvSpPr>
         <p:spPr>
@@ -1520,9 +1564,9 @@
           </a:prstGeom>
         </p:spPr>
         <p:txBody>
-          <a:bodyPr anchorCtr="0" anchor="t" bIns="91425" lIns="91425" spcFirstLastPara="1" rIns="91425" wrap="square" tIns="91425"/>
+          <a:bodyPr spcFirstLastPara="1" wrap="square" lIns="91425" tIns="91425" rIns="91425" bIns="91425" anchor="t" anchorCtr="0"/>
           <a:lstStyle>
-            <a:lvl1pPr indent="-342900" lvl="0" marL="457200" algn="ctr">
+            <a:lvl1pPr marL="457200" lvl="0" indent="-342900" algn="ctr">
               <a:spcBef>
                 <a:spcPts val="0"/>
               </a:spcBef>
@@ -1533,7 +1577,7 @@
               <a:buChar char="●"/>
               <a:defRPr/>
             </a:lvl1pPr>
-            <a:lvl2pPr indent="-317500" lvl="1" marL="914400" algn="ctr">
+            <a:lvl2pPr marL="914400" lvl="1" indent="-317500" algn="ctr">
               <a:spcBef>
                 <a:spcPts val="1600"/>
               </a:spcBef>
@@ -1544,7 +1588,7 @@
               <a:buChar char="○"/>
               <a:defRPr/>
             </a:lvl2pPr>
-            <a:lvl3pPr indent="-317500" lvl="2" marL="1371600" algn="ctr">
+            <a:lvl3pPr marL="1371600" lvl="2" indent="-317500" algn="ctr">
               <a:spcBef>
                 <a:spcPts val="1600"/>
               </a:spcBef>
@@ -1555,7 +1599,7 @@
               <a:buChar char="■"/>
               <a:defRPr/>
             </a:lvl3pPr>
-            <a:lvl4pPr indent="-317500" lvl="3" marL="1828800" algn="ctr">
+            <a:lvl4pPr marL="1828800" lvl="3" indent="-317500" algn="ctr">
               <a:spcBef>
                 <a:spcPts val="1600"/>
               </a:spcBef>
@@ -1566,7 +1610,7 @@
               <a:buChar char="●"/>
               <a:defRPr/>
             </a:lvl4pPr>
-            <a:lvl5pPr indent="-317500" lvl="4" marL="2286000" algn="ctr">
+            <a:lvl5pPr marL="2286000" lvl="4" indent="-317500" algn="ctr">
               <a:spcBef>
                 <a:spcPts val="1600"/>
               </a:spcBef>
@@ -1577,7 +1621,7 @@
               <a:buChar char="○"/>
               <a:defRPr/>
             </a:lvl5pPr>
-            <a:lvl6pPr indent="-317500" lvl="5" marL="2743200" algn="ctr">
+            <a:lvl6pPr marL="2743200" lvl="5" indent="-317500" algn="ctr">
               <a:spcBef>
                 <a:spcPts val="1600"/>
               </a:spcBef>
@@ -1588,7 +1632,7 @@
               <a:buChar char="■"/>
               <a:defRPr/>
             </a:lvl6pPr>
-            <a:lvl7pPr indent="-317500" lvl="6" marL="3200400" algn="ctr">
+            <a:lvl7pPr marL="3200400" lvl="6" indent="-317500" algn="ctr">
               <a:spcBef>
                 <a:spcPts val="1600"/>
               </a:spcBef>
@@ -1599,7 +1643,7 @@
               <a:buChar char="●"/>
               <a:defRPr/>
             </a:lvl7pPr>
-            <a:lvl8pPr indent="-317500" lvl="7" marL="3657600" algn="ctr">
+            <a:lvl8pPr marL="3657600" lvl="7" indent="-317500" algn="ctr">
               <a:spcBef>
                 <a:spcPts val="1600"/>
               </a:spcBef>
@@ -1610,7 +1654,7 @@
               <a:buChar char="○"/>
               <a:defRPr/>
             </a:lvl8pPr>
-            <a:lvl9pPr indent="-317500" lvl="8" marL="4114800" algn="ctr">
+            <a:lvl9pPr marL="4114800" lvl="8" indent="-317500" algn="ctr">
               <a:spcBef>
                 <a:spcPts val="1600"/>
               </a:spcBef>
@@ -1622,15 +1666,19 @@
               <a:defRPr/>
             </a:lvl9pPr>
           </a:lstStyle>
-          <a:p/>
+          <a:p>
+            <a:endParaRPr/>
+          </a:p>
         </p:txBody>
       </p:sp>
       <p:sp>
         <p:nvSpPr>
           <p:cNvPr id="47" name="Google Shape;47;p11"/>
-          <p:cNvSpPr txBox="1"/>
+          <p:cNvSpPr txBox="1">
+            <a:spLocks noGrp="1"/>
+          </p:cNvSpPr>
           <p:nvPr>
-            <p:ph idx="12" type="sldNum"/>
+            <p:ph type="sldNum" idx="12"/>
           </p:nvPr>
         </p:nvSpPr>
         <p:spPr>
@@ -1643,7 +1691,7 @@
           </a:prstGeom>
         </p:spPr>
         <p:txBody>
-          <a:bodyPr anchorCtr="0" anchor="ctr" bIns="91425" lIns="91425" spcFirstLastPara="1" rIns="91425" wrap="square" tIns="91425">
+          <a:bodyPr spcFirstLastPara="1" wrap="square" lIns="91425" tIns="91425" rIns="91425" bIns="91425" anchor="ctr" anchorCtr="0">
             <a:noAutofit/>
           </a:bodyPr>
           <a:lstStyle>
@@ -1685,7 +1733,7 @@
             </a:lvl9pPr>
           </a:lstStyle>
           <a:p>
-            <a:pPr indent="0" lvl="0" marL="0" rtl="0" algn="r">
+            <a:pPr marL="0" lvl="0" indent="0" algn="r" rtl="0">
               <a:spcBef>
                 <a:spcPts val="0"/>
               </a:spcBef>
@@ -1711,11 +1759,11 @@
 </file>
 
 <file path=ppt/slideLayouts/slideLayout11.xml><?xml version="1.0" encoding="utf-8"?>
-<p:sldLayout xmlns:a="http://schemas.openxmlformats.org/drawingml/2006/main" xmlns:r="http://schemas.openxmlformats.org/officeDocument/2006/relationships" xmlns:mc="http://schemas.openxmlformats.org/markup-compatibility/2006" xmlns:mv="urn:schemas-microsoft-com:mac:vml" xmlns:p="http://schemas.openxmlformats.org/presentationml/2006/main" xmlns:c="http://schemas.openxmlformats.org/drawingml/2006/chart" xmlns:dgm="http://schemas.openxmlformats.org/drawingml/2006/diagram" xmlns:o="urn:schemas-microsoft-com:office:office" xmlns:v="urn:schemas-microsoft-com:vml" xmlns:pvml="urn:schemas-microsoft-com:office:powerpoint" xmlns:com="http://schemas.openxmlformats.org/drawingml/2006/compatibility" xmlns:p14="http://schemas.microsoft.com/office/powerpoint/2010/main" xmlns:p15="http://schemas.microsoft.com/office/powerpoint/2012/main" matchingName="Blank" type="blank">
+<p:sldLayout xmlns:a="http://schemas.openxmlformats.org/drawingml/2006/main" xmlns:r="http://schemas.openxmlformats.org/officeDocument/2006/relationships" xmlns:p="http://schemas.openxmlformats.org/presentationml/2006/main" matchingName="Blank" type="blank">
   <p:cSld name="BLANK">
     <p:spTree>
       <p:nvGrpSpPr>
-        <p:cNvPr id="48" name="Shape 48"/>
+        <p:cNvPr id="1" name="Shape 48"/>
         <p:cNvGrpSpPr/>
         <p:nvPr/>
       </p:nvGrpSpPr>
@@ -1730,9 +1778,11 @@
       <p:sp>
         <p:nvSpPr>
           <p:cNvPr id="49" name="Google Shape;49;p12"/>
-          <p:cNvSpPr txBox="1"/>
+          <p:cNvSpPr txBox="1">
+            <a:spLocks noGrp="1"/>
+          </p:cNvSpPr>
           <p:nvPr>
-            <p:ph idx="12" type="sldNum"/>
+            <p:ph type="sldNum" idx="12"/>
           </p:nvPr>
         </p:nvSpPr>
         <p:spPr>
@@ -1745,7 +1795,7 @@
           </a:prstGeom>
         </p:spPr>
         <p:txBody>
-          <a:bodyPr anchorCtr="0" anchor="ctr" bIns="91425" lIns="91425" spcFirstLastPara="1" rIns="91425" wrap="square" tIns="91425">
+          <a:bodyPr spcFirstLastPara="1" wrap="square" lIns="91425" tIns="91425" rIns="91425" bIns="91425" anchor="ctr" anchorCtr="0">
             <a:noAutofit/>
           </a:bodyPr>
           <a:lstStyle>
@@ -1787,7 +1837,7 @@
             </a:lvl9pPr>
           </a:lstStyle>
           <a:p>
-            <a:pPr indent="0" lvl="0" marL="0" rtl="0" algn="r">
+            <a:pPr marL="0" lvl="0" indent="0" algn="r" rtl="0">
               <a:spcBef>
                 <a:spcPts val="0"/>
               </a:spcBef>
@@ -1813,11 +1863,11 @@
 </file>
 
 <file path=ppt/slideLayouts/slideLayout2.xml><?xml version="1.0" encoding="utf-8"?>
-<p:sldLayout xmlns:a="http://schemas.openxmlformats.org/drawingml/2006/main" xmlns:r="http://schemas.openxmlformats.org/officeDocument/2006/relationships" xmlns:mc="http://schemas.openxmlformats.org/markup-compatibility/2006" xmlns:mv="urn:schemas-microsoft-com:mac:vml" xmlns:p="http://schemas.openxmlformats.org/presentationml/2006/main" xmlns:c="http://schemas.openxmlformats.org/drawingml/2006/chart" xmlns:dgm="http://schemas.openxmlformats.org/drawingml/2006/diagram" xmlns:o="urn:schemas-microsoft-com:office:office" xmlns:v="urn:schemas-microsoft-com:vml" xmlns:pvml="urn:schemas-microsoft-com:office:powerpoint" xmlns:com="http://schemas.openxmlformats.org/drawingml/2006/compatibility" xmlns:p14="http://schemas.microsoft.com/office/powerpoint/2010/main" xmlns:p15="http://schemas.microsoft.com/office/powerpoint/2012/main" matchingName="Section header" type="secHead">
+<p:sldLayout xmlns:a="http://schemas.openxmlformats.org/drawingml/2006/main" xmlns:r="http://schemas.openxmlformats.org/officeDocument/2006/relationships" xmlns:p="http://schemas.openxmlformats.org/presentationml/2006/main" matchingName="Section header" type="secHead">
   <p:cSld name="SECTION_HEADER">
     <p:spTree>
       <p:nvGrpSpPr>
-        <p:cNvPr id="13" name="Shape 13"/>
+        <p:cNvPr id="1" name="Shape 13"/>
         <p:cNvGrpSpPr/>
         <p:nvPr/>
       </p:nvGrpSpPr>
@@ -1832,7 +1882,9 @@
       <p:sp>
         <p:nvSpPr>
           <p:cNvPr id="14" name="Google Shape;14;p3"/>
-          <p:cNvSpPr txBox="1"/>
+          <p:cNvSpPr txBox="1">
+            <a:spLocks noGrp="1"/>
+          </p:cNvSpPr>
           <p:nvPr>
             <p:ph type="title"/>
           </p:nvPr>
@@ -1847,7 +1899,7 @@
           </a:prstGeom>
         </p:spPr>
         <p:txBody>
-          <a:bodyPr anchorCtr="0" anchor="ctr" bIns="91425" lIns="91425" spcFirstLastPara="1" rIns="91425" wrap="square" tIns="91425"/>
+          <a:bodyPr spcFirstLastPara="1" wrap="square" lIns="91425" tIns="91425" rIns="91425" bIns="91425" anchor="ctr" anchorCtr="0"/>
           <a:lstStyle>
             <a:lvl1pPr lvl="0" algn="ctr">
               <a:spcBef>
@@ -1949,15 +2001,19 @@
               <a:defRPr sz="3600"/>
             </a:lvl9pPr>
           </a:lstStyle>
-          <a:p/>
+          <a:p>
+            <a:endParaRPr/>
+          </a:p>
         </p:txBody>
       </p:sp>
       <p:sp>
         <p:nvSpPr>
           <p:cNvPr id="15" name="Google Shape;15;p3"/>
-          <p:cNvSpPr txBox="1"/>
+          <p:cNvSpPr txBox="1">
+            <a:spLocks noGrp="1"/>
+          </p:cNvSpPr>
           <p:nvPr>
-            <p:ph idx="12" type="sldNum"/>
+            <p:ph type="sldNum" idx="12"/>
           </p:nvPr>
         </p:nvSpPr>
         <p:spPr>
@@ -1970,7 +2026,7 @@
           </a:prstGeom>
         </p:spPr>
         <p:txBody>
-          <a:bodyPr anchorCtr="0" anchor="ctr" bIns="91425" lIns="91425" spcFirstLastPara="1" rIns="91425" wrap="square" tIns="91425">
+          <a:bodyPr spcFirstLastPara="1" wrap="square" lIns="91425" tIns="91425" rIns="91425" bIns="91425" anchor="ctr" anchorCtr="0">
             <a:noAutofit/>
           </a:bodyPr>
           <a:lstStyle>
@@ -2012,7 +2068,7 @@
             </a:lvl9pPr>
           </a:lstStyle>
           <a:p>
-            <a:pPr indent="0" lvl="0" marL="0" rtl="0" algn="r">
+            <a:pPr marL="0" lvl="0" indent="0" algn="r" rtl="0">
               <a:spcBef>
                 <a:spcPts val="0"/>
               </a:spcBef>
@@ -2038,11 +2094,11 @@
 </file>
 
 <file path=ppt/slideLayouts/slideLayout3.xml><?xml version="1.0" encoding="utf-8"?>
-<p:sldLayout xmlns:a="http://schemas.openxmlformats.org/drawingml/2006/main" xmlns:r="http://schemas.openxmlformats.org/officeDocument/2006/relationships" xmlns:mc="http://schemas.openxmlformats.org/markup-compatibility/2006" xmlns:mv="urn:schemas-microsoft-com:mac:vml" xmlns:p="http://schemas.openxmlformats.org/presentationml/2006/main" xmlns:c="http://schemas.openxmlformats.org/drawingml/2006/chart" xmlns:dgm="http://schemas.openxmlformats.org/drawingml/2006/diagram" xmlns:o="urn:schemas-microsoft-com:office:office" xmlns:v="urn:schemas-microsoft-com:vml" xmlns:pvml="urn:schemas-microsoft-com:office:powerpoint" xmlns:com="http://schemas.openxmlformats.org/drawingml/2006/compatibility" xmlns:p14="http://schemas.microsoft.com/office/powerpoint/2010/main" xmlns:p15="http://schemas.microsoft.com/office/powerpoint/2012/main" matchingName="Title and body" type="tx">
+<p:sldLayout xmlns:a="http://schemas.openxmlformats.org/drawingml/2006/main" xmlns:r="http://schemas.openxmlformats.org/officeDocument/2006/relationships" xmlns:p="http://schemas.openxmlformats.org/presentationml/2006/main" matchingName="Title and body" type="tx">
   <p:cSld name="TITLE_AND_BODY">
     <p:spTree>
       <p:nvGrpSpPr>
-        <p:cNvPr id="16" name="Shape 16"/>
+        <p:cNvPr id="1" name="Shape 16"/>
         <p:cNvGrpSpPr/>
         <p:nvPr/>
       </p:nvGrpSpPr>
@@ -2057,7 +2113,9 @@
       <p:sp>
         <p:nvSpPr>
           <p:cNvPr id="17" name="Google Shape;17;p4"/>
-          <p:cNvSpPr txBox="1"/>
+          <p:cNvSpPr txBox="1">
+            <a:spLocks noGrp="1"/>
+          </p:cNvSpPr>
           <p:nvPr>
             <p:ph type="title"/>
           </p:nvPr>
@@ -2072,7 +2130,7 @@
           </a:prstGeom>
         </p:spPr>
         <p:txBody>
-          <a:bodyPr anchorCtr="0" anchor="t" bIns="91425" lIns="91425" spcFirstLastPara="1" rIns="91425" wrap="square" tIns="91425"/>
+          <a:bodyPr spcFirstLastPara="1" wrap="square" lIns="91425" tIns="91425" rIns="91425" bIns="91425" anchor="t" anchorCtr="0"/>
           <a:lstStyle>
             <a:lvl1pPr lvl="0">
               <a:spcBef>
@@ -2174,15 +2232,19 @@
               <a:defRPr/>
             </a:lvl9pPr>
           </a:lstStyle>
-          <a:p/>
+          <a:p>
+            <a:endParaRPr/>
+          </a:p>
         </p:txBody>
       </p:sp>
       <p:sp>
         <p:nvSpPr>
           <p:cNvPr id="18" name="Google Shape;18;p4"/>
-          <p:cNvSpPr txBox="1"/>
+          <p:cNvSpPr txBox="1">
+            <a:spLocks noGrp="1"/>
+          </p:cNvSpPr>
           <p:nvPr>
-            <p:ph idx="1" type="body"/>
+            <p:ph type="body" idx="1"/>
           </p:nvPr>
         </p:nvSpPr>
         <p:spPr>
@@ -2195,9 +2257,9 @@
           </a:prstGeom>
         </p:spPr>
         <p:txBody>
-          <a:bodyPr anchorCtr="0" anchor="t" bIns="91425" lIns="91425" spcFirstLastPara="1" rIns="91425" wrap="square" tIns="91425"/>
+          <a:bodyPr spcFirstLastPara="1" wrap="square" lIns="91425" tIns="91425" rIns="91425" bIns="91425" anchor="t" anchorCtr="0"/>
           <a:lstStyle>
-            <a:lvl1pPr indent="-342900" lvl="0" marL="457200">
+            <a:lvl1pPr marL="457200" lvl="0" indent="-342900">
               <a:spcBef>
                 <a:spcPts val="0"/>
               </a:spcBef>
@@ -2208,7 +2270,7 @@
               <a:buChar char="●"/>
               <a:defRPr/>
             </a:lvl1pPr>
-            <a:lvl2pPr indent="-317500" lvl="1" marL="914400">
+            <a:lvl2pPr marL="914400" lvl="1" indent="-317500">
               <a:spcBef>
                 <a:spcPts val="1600"/>
               </a:spcBef>
@@ -2219,7 +2281,7 @@
               <a:buChar char="○"/>
               <a:defRPr/>
             </a:lvl2pPr>
-            <a:lvl3pPr indent="-317500" lvl="2" marL="1371600">
+            <a:lvl3pPr marL="1371600" lvl="2" indent="-317500">
               <a:spcBef>
                 <a:spcPts val="1600"/>
               </a:spcBef>
@@ -2230,7 +2292,7 @@
               <a:buChar char="■"/>
               <a:defRPr/>
             </a:lvl3pPr>
-            <a:lvl4pPr indent="-317500" lvl="3" marL="1828800">
+            <a:lvl4pPr marL="1828800" lvl="3" indent="-317500">
               <a:spcBef>
                 <a:spcPts val="1600"/>
               </a:spcBef>
@@ -2241,7 +2303,7 @@
               <a:buChar char="●"/>
               <a:defRPr/>
             </a:lvl4pPr>
-            <a:lvl5pPr indent="-317500" lvl="4" marL="2286000">
+            <a:lvl5pPr marL="2286000" lvl="4" indent="-317500">
               <a:spcBef>
                 <a:spcPts val="1600"/>
               </a:spcBef>
@@ -2252,7 +2314,7 @@
               <a:buChar char="○"/>
               <a:defRPr/>
             </a:lvl5pPr>
-            <a:lvl6pPr indent="-317500" lvl="5" marL="2743200">
+            <a:lvl6pPr marL="2743200" lvl="5" indent="-317500">
               <a:spcBef>
                 <a:spcPts val="1600"/>
               </a:spcBef>
@@ -2263,7 +2325,7 @@
               <a:buChar char="■"/>
               <a:defRPr/>
             </a:lvl6pPr>
-            <a:lvl7pPr indent="-317500" lvl="6" marL="3200400">
+            <a:lvl7pPr marL="3200400" lvl="6" indent="-317500">
               <a:spcBef>
                 <a:spcPts val="1600"/>
               </a:spcBef>
@@ -2274,7 +2336,7 @@
               <a:buChar char="●"/>
               <a:defRPr/>
             </a:lvl7pPr>
-            <a:lvl8pPr indent="-317500" lvl="7" marL="3657600">
+            <a:lvl8pPr marL="3657600" lvl="7" indent="-317500">
               <a:spcBef>
                 <a:spcPts val="1600"/>
               </a:spcBef>
@@ -2285,7 +2347,7 @@
               <a:buChar char="○"/>
               <a:defRPr/>
             </a:lvl8pPr>
-            <a:lvl9pPr indent="-317500" lvl="8" marL="4114800">
+            <a:lvl9pPr marL="4114800" lvl="8" indent="-317500">
               <a:spcBef>
                 <a:spcPts val="1600"/>
               </a:spcBef>
@@ -2297,15 +2359,19 @@
               <a:defRPr/>
             </a:lvl9pPr>
           </a:lstStyle>
-          <a:p/>
+          <a:p>
+            <a:endParaRPr/>
+          </a:p>
         </p:txBody>
       </p:sp>
       <p:sp>
         <p:nvSpPr>
           <p:cNvPr id="19" name="Google Shape;19;p4"/>
-          <p:cNvSpPr txBox="1"/>
+          <p:cNvSpPr txBox="1">
+            <a:spLocks noGrp="1"/>
+          </p:cNvSpPr>
           <p:nvPr>
-            <p:ph idx="12" type="sldNum"/>
+            <p:ph type="sldNum" idx="12"/>
           </p:nvPr>
         </p:nvSpPr>
         <p:spPr>
@@ -2318,7 +2384,7 @@
           </a:prstGeom>
         </p:spPr>
         <p:txBody>
-          <a:bodyPr anchorCtr="0" anchor="ctr" bIns="91425" lIns="91425" spcFirstLastPara="1" rIns="91425" wrap="square" tIns="91425">
+          <a:bodyPr spcFirstLastPara="1" wrap="square" lIns="91425" tIns="91425" rIns="91425" bIns="91425" anchor="ctr" anchorCtr="0">
             <a:noAutofit/>
           </a:bodyPr>
           <a:lstStyle>
@@ -2360,7 +2426,7 @@
             </a:lvl9pPr>
           </a:lstStyle>
           <a:p>
-            <a:pPr indent="0" lvl="0" marL="0" rtl="0" algn="r">
+            <a:pPr marL="0" lvl="0" indent="0" algn="r" rtl="0">
               <a:spcBef>
                 <a:spcPts val="0"/>
               </a:spcBef>
@@ -2386,11 +2452,11 @@
 </file>
 
 <file path=ppt/slideLayouts/slideLayout4.xml><?xml version="1.0" encoding="utf-8"?>
-<p:sldLayout xmlns:a="http://schemas.openxmlformats.org/drawingml/2006/main" xmlns:r="http://schemas.openxmlformats.org/officeDocument/2006/relationships" xmlns:mc="http://schemas.openxmlformats.org/markup-compatibility/2006" xmlns:mv="urn:schemas-microsoft-com:mac:vml" xmlns:p="http://schemas.openxmlformats.org/presentationml/2006/main" xmlns:c="http://schemas.openxmlformats.org/drawingml/2006/chart" xmlns:dgm="http://schemas.openxmlformats.org/drawingml/2006/diagram" xmlns:o="urn:schemas-microsoft-com:office:office" xmlns:v="urn:schemas-microsoft-com:vml" xmlns:pvml="urn:schemas-microsoft-com:office:powerpoint" xmlns:com="http://schemas.openxmlformats.org/drawingml/2006/compatibility" xmlns:p14="http://schemas.microsoft.com/office/powerpoint/2010/main" xmlns:p15="http://schemas.microsoft.com/office/powerpoint/2012/main" matchingName="Title and two columns" type="twoColTx">
+<p:sldLayout xmlns:a="http://schemas.openxmlformats.org/drawingml/2006/main" xmlns:r="http://schemas.openxmlformats.org/officeDocument/2006/relationships" xmlns:p="http://schemas.openxmlformats.org/presentationml/2006/main" matchingName="Title and two columns" type="twoColTx">
   <p:cSld name="TITLE_AND_TWO_COLUMNS">
     <p:spTree>
       <p:nvGrpSpPr>
-        <p:cNvPr id="20" name="Shape 20"/>
+        <p:cNvPr id="1" name="Shape 20"/>
         <p:cNvGrpSpPr/>
         <p:nvPr/>
       </p:nvGrpSpPr>
@@ -2405,7 +2471,9 @@
       <p:sp>
         <p:nvSpPr>
           <p:cNvPr id="21" name="Google Shape;21;p5"/>
-          <p:cNvSpPr txBox="1"/>
+          <p:cNvSpPr txBox="1">
+            <a:spLocks noGrp="1"/>
+          </p:cNvSpPr>
           <p:nvPr>
             <p:ph type="title"/>
           </p:nvPr>
@@ -2420,7 +2488,7 @@
           </a:prstGeom>
         </p:spPr>
         <p:txBody>
-          <a:bodyPr anchorCtr="0" anchor="t" bIns="91425" lIns="91425" spcFirstLastPara="1" rIns="91425" wrap="square" tIns="91425"/>
+          <a:bodyPr spcFirstLastPara="1" wrap="square" lIns="91425" tIns="91425" rIns="91425" bIns="91425" anchor="t" anchorCtr="0"/>
           <a:lstStyle>
             <a:lvl1pPr lvl="0">
               <a:spcBef>
@@ -2522,15 +2590,19 @@
               <a:defRPr/>
             </a:lvl9pPr>
           </a:lstStyle>
-          <a:p/>
+          <a:p>
+            <a:endParaRPr/>
+          </a:p>
         </p:txBody>
       </p:sp>
       <p:sp>
         <p:nvSpPr>
           <p:cNvPr id="22" name="Google Shape;22;p5"/>
-          <p:cNvSpPr txBox="1"/>
+          <p:cNvSpPr txBox="1">
+            <a:spLocks noGrp="1"/>
+          </p:cNvSpPr>
           <p:nvPr>
-            <p:ph idx="1" type="body"/>
+            <p:ph type="body" idx="1"/>
           </p:nvPr>
         </p:nvSpPr>
         <p:spPr>
@@ -2543,9 +2615,9 @@
           </a:prstGeom>
         </p:spPr>
         <p:txBody>
-          <a:bodyPr anchorCtr="0" anchor="t" bIns="91425" lIns="91425" spcFirstLastPara="1" rIns="91425" wrap="square" tIns="91425"/>
+          <a:bodyPr spcFirstLastPara="1" wrap="square" lIns="91425" tIns="91425" rIns="91425" bIns="91425" anchor="t" anchorCtr="0"/>
           <a:lstStyle>
-            <a:lvl1pPr indent="-317500" lvl="0" marL="457200">
+            <a:lvl1pPr marL="457200" lvl="0" indent="-317500">
               <a:spcBef>
                 <a:spcPts val="0"/>
               </a:spcBef>
@@ -2556,7 +2628,7 @@
               <a:buChar char="●"/>
               <a:defRPr sz="1400"/>
             </a:lvl1pPr>
-            <a:lvl2pPr indent="-304800" lvl="1" marL="914400">
+            <a:lvl2pPr marL="914400" lvl="1" indent="-304800">
               <a:spcBef>
                 <a:spcPts val="1600"/>
               </a:spcBef>
@@ -2567,7 +2639,7 @@
               <a:buChar char="○"/>
               <a:defRPr sz="1200"/>
             </a:lvl2pPr>
-            <a:lvl3pPr indent="-304800" lvl="2" marL="1371600">
+            <a:lvl3pPr marL="1371600" lvl="2" indent="-304800">
               <a:spcBef>
                 <a:spcPts val="1600"/>
               </a:spcBef>
@@ -2578,7 +2650,7 @@
               <a:buChar char="■"/>
               <a:defRPr sz="1200"/>
             </a:lvl3pPr>
-            <a:lvl4pPr indent="-304800" lvl="3" marL="1828800">
+            <a:lvl4pPr marL="1828800" lvl="3" indent="-304800">
               <a:spcBef>
                 <a:spcPts val="1600"/>
               </a:spcBef>
@@ -2589,7 +2661,7 @@
               <a:buChar char="●"/>
               <a:defRPr sz="1200"/>
             </a:lvl4pPr>
-            <a:lvl5pPr indent="-304800" lvl="4" marL="2286000">
+            <a:lvl5pPr marL="2286000" lvl="4" indent="-304800">
               <a:spcBef>
                 <a:spcPts val="1600"/>
               </a:spcBef>
@@ -2600,7 +2672,7 @@
               <a:buChar char="○"/>
               <a:defRPr sz="1200"/>
             </a:lvl5pPr>
-            <a:lvl6pPr indent="-304800" lvl="5" marL="2743200">
+            <a:lvl6pPr marL="2743200" lvl="5" indent="-304800">
               <a:spcBef>
                 <a:spcPts val="1600"/>
               </a:spcBef>
@@ -2611,7 +2683,7 @@
               <a:buChar char="■"/>
               <a:defRPr sz="1200"/>
             </a:lvl6pPr>
-            <a:lvl7pPr indent="-304800" lvl="6" marL="3200400">
+            <a:lvl7pPr marL="3200400" lvl="6" indent="-304800">
               <a:spcBef>
                 <a:spcPts val="1600"/>
               </a:spcBef>
@@ -2622,7 +2694,7 @@
               <a:buChar char="●"/>
               <a:defRPr sz="1200"/>
             </a:lvl7pPr>
-            <a:lvl8pPr indent="-304800" lvl="7" marL="3657600">
+            <a:lvl8pPr marL="3657600" lvl="7" indent="-304800">
               <a:spcBef>
                 <a:spcPts val="1600"/>
               </a:spcBef>
@@ -2633,7 +2705,7 @@
               <a:buChar char="○"/>
               <a:defRPr sz="1200"/>
             </a:lvl8pPr>
-            <a:lvl9pPr indent="-304800" lvl="8" marL="4114800">
+            <a:lvl9pPr marL="4114800" lvl="8" indent="-304800">
               <a:spcBef>
                 <a:spcPts val="1600"/>
               </a:spcBef>
@@ -2645,15 +2717,19 @@
               <a:defRPr sz="1200"/>
             </a:lvl9pPr>
           </a:lstStyle>
-          <a:p/>
+          <a:p>
+            <a:endParaRPr/>
+          </a:p>
         </p:txBody>
       </p:sp>
       <p:sp>
         <p:nvSpPr>
           <p:cNvPr id="23" name="Google Shape;23;p5"/>
-          <p:cNvSpPr txBox="1"/>
+          <p:cNvSpPr txBox="1">
+            <a:spLocks noGrp="1"/>
+          </p:cNvSpPr>
           <p:nvPr>
-            <p:ph idx="2" type="body"/>
+            <p:ph type="body" idx="2"/>
           </p:nvPr>
         </p:nvSpPr>
         <p:spPr>
@@ -2666,9 +2742,9 @@
           </a:prstGeom>
         </p:spPr>
         <p:txBody>
-          <a:bodyPr anchorCtr="0" anchor="t" bIns="91425" lIns="91425" spcFirstLastPara="1" rIns="91425" wrap="square" tIns="91425"/>
+          <a:bodyPr spcFirstLastPara="1" wrap="square" lIns="91425" tIns="91425" rIns="91425" bIns="91425" anchor="t" anchorCtr="0"/>
           <a:lstStyle>
-            <a:lvl1pPr indent="-317500" lvl="0" marL="457200">
+            <a:lvl1pPr marL="457200" lvl="0" indent="-317500">
               <a:spcBef>
                 <a:spcPts val="0"/>
               </a:spcBef>
@@ -2679,7 +2755,7 @@
               <a:buChar char="●"/>
               <a:defRPr sz="1400"/>
             </a:lvl1pPr>
-            <a:lvl2pPr indent="-304800" lvl="1" marL="914400">
+            <a:lvl2pPr marL="914400" lvl="1" indent="-304800">
               <a:spcBef>
                 <a:spcPts val="1600"/>
               </a:spcBef>
@@ -2690,7 +2766,7 @@
               <a:buChar char="○"/>
               <a:defRPr sz="1200"/>
             </a:lvl2pPr>
-            <a:lvl3pPr indent="-304800" lvl="2" marL="1371600">
+            <a:lvl3pPr marL="1371600" lvl="2" indent="-304800">
               <a:spcBef>
                 <a:spcPts val="1600"/>
               </a:spcBef>
@@ -2701,7 +2777,7 @@
               <a:buChar char="■"/>
               <a:defRPr sz="1200"/>
             </a:lvl3pPr>
-            <a:lvl4pPr indent="-304800" lvl="3" marL="1828800">
+            <a:lvl4pPr marL="1828800" lvl="3" indent="-304800">
               <a:spcBef>
                 <a:spcPts val="1600"/>
               </a:spcBef>
@@ -2712,7 +2788,7 @@
               <a:buChar char="●"/>
               <a:defRPr sz="1200"/>
             </a:lvl4pPr>
-            <a:lvl5pPr indent="-304800" lvl="4" marL="2286000">
+            <a:lvl5pPr marL="2286000" lvl="4" indent="-304800">
               <a:spcBef>
                 <a:spcPts val="1600"/>
               </a:spcBef>
@@ -2723,7 +2799,7 @@
               <a:buChar char="○"/>
               <a:defRPr sz="1200"/>
             </a:lvl5pPr>
-            <a:lvl6pPr indent="-304800" lvl="5" marL="2743200">
+            <a:lvl6pPr marL="2743200" lvl="5" indent="-304800">
               <a:spcBef>
                 <a:spcPts val="1600"/>
               </a:spcBef>
@@ -2734,7 +2810,7 @@
               <a:buChar char="■"/>
               <a:defRPr sz="1200"/>
             </a:lvl6pPr>
-            <a:lvl7pPr indent="-304800" lvl="6" marL="3200400">
+            <a:lvl7pPr marL="3200400" lvl="6" indent="-304800">
               <a:spcBef>
                 <a:spcPts val="1600"/>
               </a:spcBef>
@@ -2745,7 +2821,7 @@
               <a:buChar char="●"/>
               <a:defRPr sz="1200"/>
             </a:lvl7pPr>
-            <a:lvl8pPr indent="-304800" lvl="7" marL="3657600">
+            <a:lvl8pPr marL="3657600" lvl="7" indent="-304800">
               <a:spcBef>
                 <a:spcPts val="1600"/>
               </a:spcBef>
@@ -2756,7 +2832,7 @@
               <a:buChar char="○"/>
               <a:defRPr sz="1200"/>
             </a:lvl8pPr>
-            <a:lvl9pPr indent="-304800" lvl="8" marL="4114800">
+            <a:lvl9pPr marL="4114800" lvl="8" indent="-304800">
               <a:spcBef>
                 <a:spcPts val="1600"/>
               </a:spcBef>
@@ -2768,15 +2844,19 @@
               <a:defRPr sz="1200"/>
             </a:lvl9pPr>
           </a:lstStyle>
-          <a:p/>
+          <a:p>
+            <a:endParaRPr/>
+          </a:p>
         </p:txBody>
       </p:sp>
       <p:sp>
         <p:nvSpPr>
           <p:cNvPr id="24" name="Google Shape;24;p5"/>
-          <p:cNvSpPr txBox="1"/>
+          <p:cNvSpPr txBox="1">
+            <a:spLocks noGrp="1"/>
+          </p:cNvSpPr>
           <p:nvPr>
-            <p:ph idx="12" type="sldNum"/>
+            <p:ph type="sldNum" idx="12"/>
           </p:nvPr>
         </p:nvSpPr>
         <p:spPr>
@@ -2789,7 +2869,7 @@
           </a:prstGeom>
         </p:spPr>
         <p:txBody>
-          <a:bodyPr anchorCtr="0" anchor="ctr" bIns="91425" lIns="91425" spcFirstLastPara="1" rIns="91425" wrap="square" tIns="91425">
+          <a:bodyPr spcFirstLastPara="1" wrap="square" lIns="91425" tIns="91425" rIns="91425" bIns="91425" anchor="ctr" anchorCtr="0">
             <a:noAutofit/>
           </a:bodyPr>
           <a:lstStyle>
@@ -2831,7 +2911,7 @@
             </a:lvl9pPr>
           </a:lstStyle>
           <a:p>
-            <a:pPr indent="0" lvl="0" marL="0" rtl="0" algn="r">
+            <a:pPr marL="0" lvl="0" indent="0" algn="r" rtl="0">
               <a:spcBef>
                 <a:spcPts val="0"/>
               </a:spcBef>
@@ -2857,11 +2937,11 @@
 </file>
 
 <file path=ppt/slideLayouts/slideLayout5.xml><?xml version="1.0" encoding="utf-8"?>
-<p:sldLayout xmlns:a="http://schemas.openxmlformats.org/drawingml/2006/main" xmlns:r="http://schemas.openxmlformats.org/officeDocument/2006/relationships" xmlns:mc="http://schemas.openxmlformats.org/markup-compatibility/2006" xmlns:mv="urn:schemas-microsoft-com:mac:vml" xmlns:p="http://schemas.openxmlformats.org/presentationml/2006/main" xmlns:c="http://schemas.openxmlformats.org/drawingml/2006/chart" xmlns:dgm="http://schemas.openxmlformats.org/drawingml/2006/diagram" xmlns:o="urn:schemas-microsoft-com:office:office" xmlns:v="urn:schemas-microsoft-com:vml" xmlns:pvml="urn:schemas-microsoft-com:office:powerpoint" xmlns:com="http://schemas.openxmlformats.org/drawingml/2006/compatibility" xmlns:p14="http://schemas.microsoft.com/office/powerpoint/2010/main" xmlns:p15="http://schemas.microsoft.com/office/powerpoint/2012/main" matchingName="Title only" type="titleOnly">
+<p:sldLayout xmlns:a="http://schemas.openxmlformats.org/drawingml/2006/main" xmlns:r="http://schemas.openxmlformats.org/officeDocument/2006/relationships" xmlns:p="http://schemas.openxmlformats.org/presentationml/2006/main" matchingName="Title only" type="titleOnly">
   <p:cSld name="TITLE_ONLY">
     <p:spTree>
       <p:nvGrpSpPr>
-        <p:cNvPr id="25" name="Shape 25"/>
+        <p:cNvPr id="1" name="Shape 25"/>
         <p:cNvGrpSpPr/>
         <p:nvPr/>
       </p:nvGrpSpPr>
@@ -2876,7 +2956,9 @@
       <p:sp>
         <p:nvSpPr>
           <p:cNvPr id="26" name="Google Shape;26;p6"/>
-          <p:cNvSpPr txBox="1"/>
+          <p:cNvSpPr txBox="1">
+            <a:spLocks noGrp="1"/>
+          </p:cNvSpPr>
           <p:nvPr>
             <p:ph type="title"/>
           </p:nvPr>
@@ -2891,7 +2973,7 @@
           </a:prstGeom>
         </p:spPr>
         <p:txBody>
-          <a:bodyPr anchorCtr="0" anchor="t" bIns="91425" lIns="91425" spcFirstLastPara="1" rIns="91425" wrap="square" tIns="91425"/>
+          <a:bodyPr spcFirstLastPara="1" wrap="square" lIns="91425" tIns="91425" rIns="91425" bIns="91425" anchor="t" anchorCtr="0"/>
           <a:lstStyle>
             <a:lvl1pPr lvl="0">
               <a:spcBef>
@@ -2993,15 +3075,19 @@
               <a:defRPr/>
             </a:lvl9pPr>
           </a:lstStyle>
-          <a:p/>
+          <a:p>
+            <a:endParaRPr/>
+          </a:p>
         </p:txBody>
       </p:sp>
       <p:sp>
         <p:nvSpPr>
           <p:cNvPr id="27" name="Google Shape;27;p6"/>
-          <p:cNvSpPr txBox="1"/>
+          <p:cNvSpPr txBox="1">
+            <a:spLocks noGrp="1"/>
+          </p:cNvSpPr>
           <p:nvPr>
-            <p:ph idx="12" type="sldNum"/>
+            <p:ph type="sldNum" idx="12"/>
           </p:nvPr>
         </p:nvSpPr>
         <p:spPr>
@@ -3014,7 +3100,7 @@
           </a:prstGeom>
         </p:spPr>
         <p:txBody>
-          <a:bodyPr anchorCtr="0" anchor="ctr" bIns="91425" lIns="91425" spcFirstLastPara="1" rIns="91425" wrap="square" tIns="91425">
+          <a:bodyPr spcFirstLastPara="1" wrap="square" lIns="91425" tIns="91425" rIns="91425" bIns="91425" anchor="ctr" anchorCtr="0">
             <a:noAutofit/>
           </a:bodyPr>
           <a:lstStyle>
@@ -3056,7 +3142,7 @@
             </a:lvl9pPr>
           </a:lstStyle>
           <a:p>
-            <a:pPr indent="0" lvl="0" marL="0" rtl="0" algn="r">
+            <a:pPr marL="0" lvl="0" indent="0" algn="r" rtl="0">
               <a:spcBef>
                 <a:spcPts val="0"/>
               </a:spcBef>
@@ -3082,11 +3168,11 @@
 </file>
 
 <file path=ppt/slideLayouts/slideLayout6.xml><?xml version="1.0" encoding="utf-8"?>
-<p:sldLayout xmlns:a="http://schemas.openxmlformats.org/drawingml/2006/main" xmlns:r="http://schemas.openxmlformats.org/officeDocument/2006/relationships" xmlns:mc="http://schemas.openxmlformats.org/markup-compatibility/2006" xmlns:mv="urn:schemas-microsoft-com:mac:vml" xmlns:p="http://schemas.openxmlformats.org/presentationml/2006/main" xmlns:c="http://schemas.openxmlformats.org/drawingml/2006/chart" xmlns:dgm="http://schemas.openxmlformats.org/drawingml/2006/diagram" xmlns:o="urn:schemas-microsoft-com:office:office" xmlns:v="urn:schemas-microsoft-com:vml" xmlns:pvml="urn:schemas-microsoft-com:office:powerpoint" xmlns:com="http://schemas.openxmlformats.org/drawingml/2006/compatibility" xmlns:p14="http://schemas.microsoft.com/office/powerpoint/2010/main" xmlns:p15="http://schemas.microsoft.com/office/powerpoint/2012/main" matchingName="One column text">
+<p:sldLayout xmlns:a="http://schemas.openxmlformats.org/drawingml/2006/main" xmlns:r="http://schemas.openxmlformats.org/officeDocument/2006/relationships" xmlns:p="http://schemas.openxmlformats.org/presentationml/2006/main" matchingName="One column text">
   <p:cSld name="ONE_COLUMN_TEXT">
     <p:spTree>
       <p:nvGrpSpPr>
-        <p:cNvPr id="28" name="Shape 28"/>
+        <p:cNvPr id="1" name="Shape 28"/>
         <p:cNvGrpSpPr/>
         <p:nvPr/>
       </p:nvGrpSpPr>
@@ -3101,7 +3187,9 @@
       <p:sp>
         <p:nvSpPr>
           <p:cNvPr id="29" name="Google Shape;29;p7"/>
-          <p:cNvSpPr txBox="1"/>
+          <p:cNvSpPr txBox="1">
+            <a:spLocks noGrp="1"/>
+          </p:cNvSpPr>
           <p:nvPr>
             <p:ph type="title"/>
           </p:nvPr>
@@ -3116,7 +3204,7 @@
           </a:prstGeom>
         </p:spPr>
         <p:txBody>
-          <a:bodyPr anchorCtr="0" anchor="b" bIns="91425" lIns="91425" spcFirstLastPara="1" rIns="91425" wrap="square" tIns="91425"/>
+          <a:bodyPr spcFirstLastPara="1" wrap="square" lIns="91425" tIns="91425" rIns="91425" bIns="91425" anchor="b" anchorCtr="0"/>
           <a:lstStyle>
             <a:lvl1pPr lvl="0">
               <a:spcBef>
@@ -3218,15 +3306,19 @@
               <a:defRPr sz="2400"/>
             </a:lvl9pPr>
           </a:lstStyle>
-          <a:p/>
+          <a:p>
+            <a:endParaRPr/>
+          </a:p>
         </p:txBody>
       </p:sp>
       <p:sp>
         <p:nvSpPr>
           <p:cNvPr id="30" name="Google Shape;30;p7"/>
-          <p:cNvSpPr txBox="1"/>
+          <p:cNvSpPr txBox="1">
+            <a:spLocks noGrp="1"/>
+          </p:cNvSpPr>
           <p:nvPr>
-            <p:ph idx="1" type="body"/>
+            <p:ph type="body" idx="1"/>
           </p:nvPr>
         </p:nvSpPr>
         <p:spPr>
@@ -3239,9 +3331,9 @@
           </a:prstGeom>
         </p:spPr>
         <p:txBody>
-          <a:bodyPr anchorCtr="0" anchor="t" bIns="91425" lIns="91425" spcFirstLastPara="1" rIns="91425" wrap="square" tIns="91425"/>
+          <a:bodyPr spcFirstLastPara="1" wrap="square" lIns="91425" tIns="91425" rIns="91425" bIns="91425" anchor="t" anchorCtr="0"/>
           <a:lstStyle>
-            <a:lvl1pPr indent="-304800" lvl="0" marL="457200">
+            <a:lvl1pPr marL="457200" lvl="0" indent="-304800">
               <a:spcBef>
                 <a:spcPts val="0"/>
               </a:spcBef>
@@ -3252,7 +3344,7 @@
               <a:buChar char="●"/>
               <a:defRPr sz="1200"/>
             </a:lvl1pPr>
-            <a:lvl2pPr indent="-304800" lvl="1" marL="914400">
+            <a:lvl2pPr marL="914400" lvl="1" indent="-304800">
               <a:spcBef>
                 <a:spcPts val="1600"/>
               </a:spcBef>
@@ -3263,7 +3355,7 @@
               <a:buChar char="○"/>
               <a:defRPr sz="1200"/>
             </a:lvl2pPr>
-            <a:lvl3pPr indent="-304800" lvl="2" marL="1371600">
+            <a:lvl3pPr marL="1371600" lvl="2" indent="-304800">
               <a:spcBef>
                 <a:spcPts val="1600"/>
               </a:spcBef>
@@ -3274,7 +3366,7 @@
               <a:buChar char="■"/>
               <a:defRPr sz="1200"/>
             </a:lvl3pPr>
-            <a:lvl4pPr indent="-304800" lvl="3" marL="1828800">
+            <a:lvl4pPr marL="1828800" lvl="3" indent="-304800">
               <a:spcBef>
                 <a:spcPts val="1600"/>
               </a:spcBef>
@@ -3285,7 +3377,7 @@
               <a:buChar char="●"/>
               <a:defRPr sz="1200"/>
             </a:lvl4pPr>
-            <a:lvl5pPr indent="-304800" lvl="4" marL="2286000">
+            <a:lvl5pPr marL="2286000" lvl="4" indent="-304800">
               <a:spcBef>
                 <a:spcPts val="1600"/>
               </a:spcBef>
@@ -3296,7 +3388,7 @@
               <a:buChar char="○"/>
               <a:defRPr sz="1200"/>
             </a:lvl5pPr>
-            <a:lvl6pPr indent="-304800" lvl="5" marL="2743200">
+            <a:lvl6pPr marL="2743200" lvl="5" indent="-304800">
               <a:spcBef>
                 <a:spcPts val="1600"/>
               </a:spcBef>
@@ -3307,7 +3399,7 @@
               <a:buChar char="■"/>
               <a:defRPr sz="1200"/>
             </a:lvl6pPr>
-            <a:lvl7pPr indent="-304800" lvl="6" marL="3200400">
+            <a:lvl7pPr marL="3200400" lvl="6" indent="-304800">
               <a:spcBef>
                 <a:spcPts val="1600"/>
               </a:spcBef>
@@ -3318,7 +3410,7 @@
               <a:buChar char="●"/>
               <a:defRPr sz="1200"/>
             </a:lvl7pPr>
-            <a:lvl8pPr indent="-304800" lvl="7" marL="3657600">
+            <a:lvl8pPr marL="3657600" lvl="7" indent="-304800">
               <a:spcBef>
                 <a:spcPts val="1600"/>
               </a:spcBef>
@@ -3329,7 +3421,7 @@
               <a:buChar char="○"/>
               <a:defRPr sz="1200"/>
             </a:lvl8pPr>
-            <a:lvl9pPr indent="-304800" lvl="8" marL="4114800">
+            <a:lvl9pPr marL="4114800" lvl="8" indent="-304800">
               <a:spcBef>
                 <a:spcPts val="1600"/>
               </a:spcBef>
@@ -3341,15 +3433,19 @@
               <a:defRPr sz="1200"/>
             </a:lvl9pPr>
           </a:lstStyle>
-          <a:p/>
+          <a:p>
+            <a:endParaRPr/>
+          </a:p>
         </p:txBody>
       </p:sp>
       <p:sp>
         <p:nvSpPr>
           <p:cNvPr id="31" name="Google Shape;31;p7"/>
-          <p:cNvSpPr txBox="1"/>
+          <p:cNvSpPr txBox="1">
+            <a:spLocks noGrp="1"/>
+          </p:cNvSpPr>
           <p:nvPr>
-            <p:ph idx="12" type="sldNum"/>
+            <p:ph type="sldNum" idx="12"/>
           </p:nvPr>
         </p:nvSpPr>
         <p:spPr>
@@ -3362,7 +3458,7 @@
           </a:prstGeom>
         </p:spPr>
         <p:txBody>
-          <a:bodyPr anchorCtr="0" anchor="ctr" bIns="91425" lIns="91425" spcFirstLastPara="1" rIns="91425" wrap="square" tIns="91425">
+          <a:bodyPr spcFirstLastPara="1" wrap="square" lIns="91425" tIns="91425" rIns="91425" bIns="91425" anchor="ctr" anchorCtr="0">
             <a:noAutofit/>
           </a:bodyPr>
           <a:lstStyle>
@@ -3404,7 +3500,7 @@
             </a:lvl9pPr>
           </a:lstStyle>
           <a:p>
-            <a:pPr indent="0" lvl="0" marL="0" rtl="0" algn="r">
+            <a:pPr marL="0" lvl="0" indent="0" algn="r" rtl="0">
               <a:spcBef>
                 <a:spcPts val="0"/>
               </a:spcBef>
@@ -3430,11 +3526,11 @@
 </file>
 
 <file path=ppt/slideLayouts/slideLayout7.xml><?xml version="1.0" encoding="utf-8"?>
-<p:sldLayout xmlns:a="http://schemas.openxmlformats.org/drawingml/2006/main" xmlns:r="http://schemas.openxmlformats.org/officeDocument/2006/relationships" xmlns:mc="http://schemas.openxmlformats.org/markup-compatibility/2006" xmlns:mv="urn:schemas-microsoft-com:mac:vml" xmlns:p="http://schemas.openxmlformats.org/presentationml/2006/main" xmlns:c="http://schemas.openxmlformats.org/drawingml/2006/chart" xmlns:dgm="http://schemas.openxmlformats.org/drawingml/2006/diagram" xmlns:o="urn:schemas-microsoft-com:office:office" xmlns:v="urn:schemas-microsoft-com:vml" xmlns:pvml="urn:schemas-microsoft-com:office:powerpoint" xmlns:com="http://schemas.openxmlformats.org/drawingml/2006/compatibility" xmlns:p14="http://schemas.microsoft.com/office/powerpoint/2010/main" xmlns:p15="http://schemas.microsoft.com/office/powerpoint/2012/main" matchingName="Main point">
+<p:sldLayout xmlns:a="http://schemas.openxmlformats.org/drawingml/2006/main" xmlns:r="http://schemas.openxmlformats.org/officeDocument/2006/relationships" xmlns:p="http://schemas.openxmlformats.org/presentationml/2006/main" matchingName="Main point">
   <p:cSld name="MAIN_POINT">
     <p:spTree>
       <p:nvGrpSpPr>
-        <p:cNvPr id="32" name="Shape 32"/>
+        <p:cNvPr id="1" name="Shape 32"/>
         <p:cNvGrpSpPr/>
         <p:nvPr/>
       </p:nvGrpSpPr>
@@ -3449,7 +3545,9 @@
       <p:sp>
         <p:nvSpPr>
           <p:cNvPr id="33" name="Google Shape;33;p8"/>
-          <p:cNvSpPr txBox="1"/>
+          <p:cNvSpPr txBox="1">
+            <a:spLocks noGrp="1"/>
+          </p:cNvSpPr>
           <p:nvPr>
             <p:ph type="title"/>
           </p:nvPr>
@@ -3464,7 +3562,7 @@
           </a:prstGeom>
         </p:spPr>
         <p:txBody>
-          <a:bodyPr anchorCtr="0" anchor="ctr" bIns="91425" lIns="91425" spcFirstLastPara="1" rIns="91425" wrap="square" tIns="91425"/>
+          <a:bodyPr spcFirstLastPara="1" wrap="square" lIns="91425" tIns="91425" rIns="91425" bIns="91425" anchor="ctr" anchorCtr="0"/>
           <a:lstStyle>
             <a:lvl1pPr lvl="0">
               <a:spcBef>
@@ -3566,15 +3664,19 @@
               <a:defRPr sz="4800"/>
             </a:lvl9pPr>
           </a:lstStyle>
-          <a:p/>
+          <a:p>
+            <a:endParaRPr/>
+          </a:p>
         </p:txBody>
       </p:sp>
       <p:sp>
         <p:nvSpPr>
           <p:cNvPr id="34" name="Google Shape;34;p8"/>
-          <p:cNvSpPr txBox="1"/>
+          <p:cNvSpPr txBox="1">
+            <a:spLocks noGrp="1"/>
+          </p:cNvSpPr>
           <p:nvPr>
-            <p:ph idx="12" type="sldNum"/>
+            <p:ph type="sldNum" idx="12"/>
           </p:nvPr>
         </p:nvSpPr>
         <p:spPr>
@@ -3587,7 +3689,7 @@
           </a:prstGeom>
         </p:spPr>
         <p:txBody>
-          <a:bodyPr anchorCtr="0" anchor="ctr" bIns="91425" lIns="91425" spcFirstLastPara="1" rIns="91425" wrap="square" tIns="91425">
+          <a:bodyPr spcFirstLastPara="1" wrap="square" lIns="91425" tIns="91425" rIns="91425" bIns="91425" anchor="ctr" anchorCtr="0">
             <a:noAutofit/>
           </a:bodyPr>
           <a:lstStyle>
@@ -3629,7 +3731,7 @@
             </a:lvl9pPr>
           </a:lstStyle>
           <a:p>
-            <a:pPr indent="0" lvl="0" marL="0" rtl="0" algn="r">
+            <a:pPr marL="0" lvl="0" indent="0" algn="r" rtl="0">
               <a:spcBef>
                 <a:spcPts val="0"/>
               </a:spcBef>
@@ -3655,11 +3757,11 @@
 </file>
 
 <file path=ppt/slideLayouts/slideLayout8.xml><?xml version="1.0" encoding="utf-8"?>
-<p:sldLayout xmlns:a="http://schemas.openxmlformats.org/drawingml/2006/main" xmlns:r="http://schemas.openxmlformats.org/officeDocument/2006/relationships" xmlns:mc="http://schemas.openxmlformats.org/markup-compatibility/2006" xmlns:mv="urn:schemas-microsoft-com:mac:vml" xmlns:p="http://schemas.openxmlformats.org/presentationml/2006/main" xmlns:c="http://schemas.openxmlformats.org/drawingml/2006/chart" xmlns:dgm="http://schemas.openxmlformats.org/drawingml/2006/diagram" xmlns:o="urn:schemas-microsoft-com:office:office" xmlns:v="urn:schemas-microsoft-com:vml" xmlns:pvml="urn:schemas-microsoft-com:office:powerpoint" xmlns:com="http://schemas.openxmlformats.org/drawingml/2006/compatibility" xmlns:p14="http://schemas.microsoft.com/office/powerpoint/2010/main" xmlns:p15="http://schemas.microsoft.com/office/powerpoint/2012/main" matchingName="Section title and description">
+<p:sldLayout xmlns:a="http://schemas.openxmlformats.org/drawingml/2006/main" xmlns:r="http://schemas.openxmlformats.org/officeDocument/2006/relationships" xmlns:p="http://schemas.openxmlformats.org/presentationml/2006/main" matchingName="Section title and description">
   <p:cSld name="SECTION_TITLE_AND_DESCRIPTION">
     <p:spTree>
       <p:nvGrpSpPr>
-        <p:cNvPr id="35" name="Shape 35"/>
+        <p:cNvPr id="1" name="Shape 35"/>
         <p:cNvGrpSpPr/>
         <p:nvPr/>
       </p:nvGrpSpPr>
@@ -3693,12 +3795,12 @@
           </a:ln>
         </p:spPr>
         <p:txBody>
-          <a:bodyPr anchorCtr="0" anchor="ctr" bIns="91425" lIns="91425" spcFirstLastPara="1" rIns="91425" wrap="square" tIns="91425">
+          <a:bodyPr spcFirstLastPara="1" wrap="square" lIns="91425" tIns="91425" rIns="91425" bIns="91425" anchor="ctr" anchorCtr="0">
             <a:noAutofit/>
           </a:bodyPr>
           <a:lstStyle/>
           <a:p>
-            <a:pPr indent="0" lvl="0" marL="0" rtl="0" algn="l">
+            <a:pPr marL="0" lvl="0" indent="0" algn="l" rtl="0">
               <a:spcBef>
                 <a:spcPts val="0"/>
               </a:spcBef>
@@ -3707,9 +3809,6 @@
               </a:spcAft>
               <a:buNone/>
             </a:pPr>
-            <a:r>
-              <a:t/>
-            </a:r>
             <a:endParaRPr/>
           </a:p>
         </p:txBody>
@@ -3717,7 +3816,9 @@
       <p:sp>
         <p:nvSpPr>
           <p:cNvPr id="37" name="Google Shape;37;p9"/>
-          <p:cNvSpPr txBox="1"/>
+          <p:cNvSpPr txBox="1">
+            <a:spLocks noGrp="1"/>
+          </p:cNvSpPr>
           <p:nvPr>
             <p:ph type="title"/>
           </p:nvPr>
@@ -3732,7 +3833,7 @@
           </a:prstGeom>
         </p:spPr>
         <p:txBody>
-          <a:bodyPr anchorCtr="0" anchor="b" bIns="91425" lIns="91425" spcFirstLastPara="1" rIns="91425" wrap="square" tIns="91425"/>
+          <a:bodyPr spcFirstLastPara="1" wrap="square" lIns="91425" tIns="91425" rIns="91425" bIns="91425" anchor="b" anchorCtr="0"/>
           <a:lstStyle>
             <a:lvl1pPr lvl="0" algn="ctr">
               <a:spcBef>
@@ -3834,15 +3935,19 @@
               <a:defRPr sz="4200"/>
             </a:lvl9pPr>
           </a:lstStyle>
-          <a:p/>
+          <a:p>
+            <a:endParaRPr/>
+          </a:p>
         </p:txBody>
       </p:sp>
       <p:sp>
         <p:nvSpPr>
           <p:cNvPr id="38" name="Google Shape;38;p9"/>
-          <p:cNvSpPr txBox="1"/>
+          <p:cNvSpPr txBox="1">
+            <a:spLocks noGrp="1"/>
+          </p:cNvSpPr>
           <p:nvPr>
-            <p:ph idx="1" type="subTitle"/>
+            <p:ph type="subTitle" idx="1"/>
           </p:nvPr>
         </p:nvSpPr>
         <p:spPr>
@@ -3855,7 +3960,7 @@
           </a:prstGeom>
         </p:spPr>
         <p:txBody>
-          <a:bodyPr anchorCtr="0" anchor="t" bIns="91425" lIns="91425" spcFirstLastPara="1" rIns="91425" wrap="square" tIns="91425"/>
+          <a:bodyPr spcFirstLastPara="1" wrap="square" lIns="91425" tIns="91425" rIns="91425" bIns="91425" anchor="t" anchorCtr="0"/>
           <a:lstStyle>
             <a:lvl1pPr lvl="0" algn="ctr">
               <a:lnSpc>
@@ -3984,15 +4089,19 @@
               <a:defRPr sz="2100"/>
             </a:lvl9pPr>
           </a:lstStyle>
-          <a:p/>
+          <a:p>
+            <a:endParaRPr/>
+          </a:p>
         </p:txBody>
       </p:sp>
       <p:sp>
         <p:nvSpPr>
           <p:cNvPr id="39" name="Google Shape;39;p9"/>
-          <p:cNvSpPr txBox="1"/>
+          <p:cNvSpPr txBox="1">
+            <a:spLocks noGrp="1"/>
+          </p:cNvSpPr>
           <p:nvPr>
-            <p:ph idx="2" type="body"/>
+            <p:ph type="body" idx="2"/>
           </p:nvPr>
         </p:nvSpPr>
         <p:spPr>
@@ -4005,9 +4114,9 @@
           </a:prstGeom>
         </p:spPr>
         <p:txBody>
-          <a:bodyPr anchorCtr="0" anchor="ctr" bIns="91425" lIns="91425" spcFirstLastPara="1" rIns="91425" wrap="square" tIns="91425"/>
+          <a:bodyPr spcFirstLastPara="1" wrap="square" lIns="91425" tIns="91425" rIns="91425" bIns="91425" anchor="ctr" anchorCtr="0"/>
           <a:lstStyle>
-            <a:lvl1pPr indent="-342900" lvl="0" marL="457200">
+            <a:lvl1pPr marL="457200" lvl="0" indent="-342900">
               <a:spcBef>
                 <a:spcPts val="0"/>
               </a:spcBef>
@@ -4018,7 +4127,7 @@
               <a:buChar char="●"/>
               <a:defRPr/>
             </a:lvl1pPr>
-            <a:lvl2pPr indent="-317500" lvl="1" marL="914400">
+            <a:lvl2pPr marL="914400" lvl="1" indent="-317500">
               <a:spcBef>
                 <a:spcPts val="1600"/>
               </a:spcBef>
@@ -4029,7 +4138,7 @@
               <a:buChar char="○"/>
               <a:defRPr/>
             </a:lvl2pPr>
-            <a:lvl3pPr indent="-317500" lvl="2" marL="1371600">
+            <a:lvl3pPr marL="1371600" lvl="2" indent="-317500">
               <a:spcBef>
                 <a:spcPts val="1600"/>
               </a:spcBef>
@@ -4040,7 +4149,7 @@
               <a:buChar char="■"/>
               <a:defRPr/>
             </a:lvl3pPr>
-            <a:lvl4pPr indent="-317500" lvl="3" marL="1828800">
+            <a:lvl4pPr marL="1828800" lvl="3" indent="-317500">
               <a:spcBef>
                 <a:spcPts val="1600"/>
               </a:spcBef>
@@ -4051,7 +4160,7 @@
               <a:buChar char="●"/>
               <a:defRPr/>
             </a:lvl4pPr>
-            <a:lvl5pPr indent="-317500" lvl="4" marL="2286000">
+            <a:lvl5pPr marL="2286000" lvl="4" indent="-317500">
               <a:spcBef>
                 <a:spcPts val="1600"/>
               </a:spcBef>
@@ -4062,7 +4171,7 @@
               <a:buChar char="○"/>
               <a:defRPr/>
             </a:lvl5pPr>
-            <a:lvl6pPr indent="-317500" lvl="5" marL="2743200">
+            <a:lvl6pPr marL="2743200" lvl="5" indent="-317500">
               <a:spcBef>
                 <a:spcPts val="1600"/>
               </a:spcBef>
@@ -4073,7 +4182,7 @@
               <a:buChar char="■"/>
               <a:defRPr/>
             </a:lvl6pPr>
-            <a:lvl7pPr indent="-317500" lvl="6" marL="3200400">
+            <a:lvl7pPr marL="3200400" lvl="6" indent="-317500">
               <a:spcBef>
                 <a:spcPts val="1600"/>
               </a:spcBef>
@@ -4084,7 +4193,7 @@
               <a:buChar char="●"/>
               <a:defRPr/>
             </a:lvl7pPr>
-            <a:lvl8pPr indent="-317500" lvl="7" marL="3657600">
+            <a:lvl8pPr marL="3657600" lvl="7" indent="-317500">
               <a:spcBef>
                 <a:spcPts val="1600"/>
               </a:spcBef>
@@ -4095,7 +4204,7 @@
               <a:buChar char="○"/>
               <a:defRPr/>
             </a:lvl8pPr>
-            <a:lvl9pPr indent="-317500" lvl="8" marL="4114800">
+            <a:lvl9pPr marL="4114800" lvl="8" indent="-317500">
               <a:spcBef>
                 <a:spcPts val="1600"/>
               </a:spcBef>
@@ -4107,15 +4216,19 @@
               <a:defRPr/>
             </a:lvl9pPr>
           </a:lstStyle>
-          <a:p/>
+          <a:p>
+            <a:endParaRPr/>
+          </a:p>
         </p:txBody>
       </p:sp>
       <p:sp>
         <p:nvSpPr>
           <p:cNvPr id="40" name="Google Shape;40;p9"/>
-          <p:cNvSpPr txBox="1"/>
+          <p:cNvSpPr txBox="1">
+            <a:spLocks noGrp="1"/>
+          </p:cNvSpPr>
           <p:nvPr>
-            <p:ph idx="12" type="sldNum"/>
+            <p:ph type="sldNum" idx="12"/>
           </p:nvPr>
         </p:nvSpPr>
         <p:spPr>
@@ -4128,7 +4241,7 @@
           </a:prstGeom>
         </p:spPr>
         <p:txBody>
-          <a:bodyPr anchorCtr="0" anchor="ctr" bIns="91425" lIns="91425" spcFirstLastPara="1" rIns="91425" wrap="square" tIns="91425">
+          <a:bodyPr spcFirstLastPara="1" wrap="square" lIns="91425" tIns="91425" rIns="91425" bIns="91425" anchor="ctr" anchorCtr="0">
             <a:noAutofit/>
           </a:bodyPr>
           <a:lstStyle>
@@ -4170,7 +4283,7 @@
             </a:lvl9pPr>
           </a:lstStyle>
           <a:p>
-            <a:pPr indent="0" lvl="0" marL="0" rtl="0" algn="r">
+            <a:pPr marL="0" lvl="0" indent="0" algn="r" rtl="0">
               <a:spcBef>
                 <a:spcPts val="0"/>
               </a:spcBef>
@@ -4196,11 +4309,11 @@
 </file>
 
 <file path=ppt/slideLayouts/slideLayout9.xml><?xml version="1.0" encoding="utf-8"?>
-<p:sldLayout xmlns:a="http://schemas.openxmlformats.org/drawingml/2006/main" xmlns:r="http://schemas.openxmlformats.org/officeDocument/2006/relationships" xmlns:mc="http://schemas.openxmlformats.org/markup-compatibility/2006" xmlns:mv="urn:schemas-microsoft-com:mac:vml" xmlns:p="http://schemas.openxmlformats.org/presentationml/2006/main" xmlns:c="http://schemas.openxmlformats.org/drawingml/2006/chart" xmlns:dgm="http://schemas.openxmlformats.org/drawingml/2006/diagram" xmlns:o="urn:schemas-microsoft-com:office:office" xmlns:v="urn:schemas-microsoft-com:vml" xmlns:pvml="urn:schemas-microsoft-com:office:powerpoint" xmlns:com="http://schemas.openxmlformats.org/drawingml/2006/compatibility" xmlns:p14="http://schemas.microsoft.com/office/powerpoint/2010/main" xmlns:p15="http://schemas.microsoft.com/office/powerpoint/2012/main" matchingName="Caption">
+<p:sldLayout xmlns:a="http://schemas.openxmlformats.org/drawingml/2006/main" xmlns:r="http://schemas.openxmlformats.org/officeDocument/2006/relationships" xmlns:p="http://schemas.openxmlformats.org/presentationml/2006/main" matchingName="Caption">
   <p:cSld name="CAPTION_ONLY">
     <p:spTree>
       <p:nvGrpSpPr>
-        <p:cNvPr id="41" name="Shape 41"/>
+        <p:cNvPr id="1" name="Shape 41"/>
         <p:cNvGrpSpPr/>
         <p:nvPr/>
       </p:nvGrpSpPr>
@@ -4215,9 +4328,11 @@
       <p:sp>
         <p:nvSpPr>
           <p:cNvPr id="42" name="Google Shape;42;p10"/>
-          <p:cNvSpPr txBox="1"/>
+          <p:cNvSpPr txBox="1">
+            <a:spLocks noGrp="1"/>
+          </p:cNvSpPr>
           <p:nvPr>
-            <p:ph idx="1" type="body"/>
+            <p:ph type="body" idx="1"/>
           </p:nvPr>
         </p:nvSpPr>
         <p:spPr>
@@ -4230,9 +4345,9 @@
           </a:prstGeom>
         </p:spPr>
         <p:txBody>
-          <a:bodyPr anchorCtr="0" anchor="ctr" bIns="91425" lIns="91425" spcFirstLastPara="1" rIns="91425" wrap="square" tIns="91425"/>
+          <a:bodyPr spcFirstLastPara="1" wrap="square" lIns="91425" tIns="91425" rIns="91425" bIns="91425" anchor="ctr" anchorCtr="0"/>
           <a:lstStyle>
-            <a:lvl1pPr indent="-228600" lvl="0" marL="457200">
+            <a:lvl1pPr marL="457200" lvl="0" indent="-228600">
               <a:lnSpc>
                 <a:spcPct val="100000"/>
               </a:lnSpc>
@@ -4247,15 +4362,19 @@
               <a:defRPr/>
             </a:lvl1pPr>
           </a:lstStyle>
-          <a:p/>
+          <a:p>
+            <a:endParaRPr/>
+          </a:p>
         </p:txBody>
       </p:sp>
       <p:sp>
         <p:nvSpPr>
           <p:cNvPr id="43" name="Google Shape;43;p10"/>
-          <p:cNvSpPr txBox="1"/>
+          <p:cNvSpPr txBox="1">
+            <a:spLocks noGrp="1"/>
+          </p:cNvSpPr>
           <p:nvPr>
-            <p:ph idx="12" type="sldNum"/>
+            <p:ph type="sldNum" idx="12"/>
           </p:nvPr>
         </p:nvSpPr>
         <p:spPr>
@@ -4268,7 +4387,7 @@
           </a:prstGeom>
         </p:spPr>
         <p:txBody>
-          <a:bodyPr anchorCtr="0" anchor="ctr" bIns="91425" lIns="91425" spcFirstLastPara="1" rIns="91425" wrap="square" tIns="91425">
+          <a:bodyPr spcFirstLastPara="1" wrap="square" lIns="91425" tIns="91425" rIns="91425" bIns="91425" anchor="ctr" anchorCtr="0">
             <a:noAutofit/>
           </a:bodyPr>
           <a:lstStyle>
@@ -4310,7 +4429,7 @@
             </a:lvl9pPr>
           </a:lstStyle>
           <a:p>
-            <a:pPr indent="0" lvl="0" marL="0" rtl="0" algn="r">
+            <a:pPr marL="0" lvl="0" indent="0" algn="r" rtl="0">
               <a:spcBef>
                 <a:spcPts val="0"/>
               </a:spcBef>
@@ -4336,18 +4455,19 @@
 </file>
 
 <file path=ppt/slideMasters/slideMaster1.xml><?xml version="1.0" encoding="utf-8"?>
-<p:sldMaster xmlns:a="http://schemas.openxmlformats.org/drawingml/2006/main" xmlns:r="http://schemas.openxmlformats.org/officeDocument/2006/relationships" xmlns:mc="http://schemas.openxmlformats.org/markup-compatibility/2006" xmlns:mv="urn:schemas-microsoft-com:mac:vml" xmlns:p="http://schemas.openxmlformats.org/presentationml/2006/main" xmlns:c="http://schemas.openxmlformats.org/drawingml/2006/chart" xmlns:dgm="http://schemas.openxmlformats.org/drawingml/2006/diagram" xmlns:o="urn:schemas-microsoft-com:office:office" xmlns:v="urn:schemas-microsoft-com:vml" xmlns:pvml="urn:schemas-microsoft-com:office:powerpoint" xmlns:com="http://schemas.openxmlformats.org/drawingml/2006/compatibility" xmlns:p14="http://schemas.microsoft.com/office/powerpoint/2010/main" xmlns:p15="http://schemas.microsoft.com/office/powerpoint/2012/main">
+<p:sldMaster xmlns:a="http://schemas.openxmlformats.org/drawingml/2006/main" xmlns:r="http://schemas.openxmlformats.org/officeDocument/2006/relationships" xmlns:p="http://schemas.openxmlformats.org/presentationml/2006/main">
   <p:cSld name="simple-light-2">
     <p:bg>
       <p:bgPr>
         <a:solidFill>
           <a:schemeClr val="lt1"/>
         </a:solidFill>
+        <a:effectLst/>
       </p:bgPr>
     </p:bg>
     <p:spTree>
       <p:nvGrpSpPr>
-        <p:cNvPr id="5" name="Shape 5"/>
+        <p:cNvPr id="1" name="Shape 5"/>
         <p:cNvGrpSpPr/>
         <p:nvPr/>
       </p:nvGrpSpPr>
@@ -4362,7 +4482,9 @@
       <p:sp>
         <p:nvSpPr>
           <p:cNvPr id="6" name="Google Shape;6;p1"/>
-          <p:cNvSpPr txBox="1"/>
+          <p:cNvSpPr txBox="1">
+            <a:spLocks noGrp="1"/>
+          </p:cNvSpPr>
           <p:nvPr>
             <p:ph type="title"/>
           </p:nvPr>
@@ -4381,7 +4503,7 @@
           </a:ln>
         </p:spPr>
         <p:txBody>
-          <a:bodyPr anchorCtr="0" anchor="t" bIns="91425" lIns="91425" spcFirstLastPara="1" rIns="91425" wrap="square" tIns="91425"/>
+          <a:bodyPr spcFirstLastPara="1" wrap="square" lIns="91425" tIns="91425" rIns="91425" bIns="91425" anchor="t" anchorCtr="0"/>
           <a:lstStyle>
             <a:lvl1pPr lvl="0">
               <a:spcBef>
@@ -4546,15 +4668,19 @@
               </a:defRPr>
             </a:lvl9pPr>
           </a:lstStyle>
-          <a:p/>
+          <a:p>
+            <a:endParaRPr/>
+          </a:p>
         </p:txBody>
       </p:sp>
       <p:sp>
         <p:nvSpPr>
           <p:cNvPr id="7" name="Google Shape;7;p1"/>
-          <p:cNvSpPr txBox="1"/>
+          <p:cNvSpPr txBox="1">
+            <a:spLocks noGrp="1"/>
+          </p:cNvSpPr>
           <p:nvPr>
-            <p:ph idx="1" type="body"/>
+            <p:ph type="body" idx="1"/>
           </p:nvPr>
         </p:nvSpPr>
         <p:spPr>
@@ -4571,9 +4697,9 @@
           </a:ln>
         </p:spPr>
         <p:txBody>
-          <a:bodyPr anchorCtr="0" anchor="t" bIns="91425" lIns="91425" spcFirstLastPara="1" rIns="91425" wrap="square" tIns="91425"/>
+          <a:bodyPr spcFirstLastPara="1" wrap="square" lIns="91425" tIns="91425" rIns="91425" bIns="91425" anchor="t" anchorCtr="0"/>
           <a:lstStyle>
-            <a:lvl1pPr indent="-342900" lvl="0" marL="457200">
+            <a:lvl1pPr marL="457200" lvl="0" indent="-342900">
               <a:lnSpc>
                 <a:spcPct val="115000"/>
               </a:lnSpc>
@@ -4594,7 +4720,7 @@
                 </a:solidFill>
               </a:defRPr>
             </a:lvl1pPr>
-            <a:lvl2pPr indent="-317500" lvl="1" marL="914400">
+            <a:lvl2pPr marL="914400" lvl="1" indent="-317500">
               <a:lnSpc>
                 <a:spcPct val="115000"/>
               </a:lnSpc>
@@ -4615,7 +4741,7 @@
                 </a:solidFill>
               </a:defRPr>
             </a:lvl2pPr>
-            <a:lvl3pPr indent="-317500" lvl="2" marL="1371600">
+            <a:lvl3pPr marL="1371600" lvl="2" indent="-317500">
               <a:lnSpc>
                 <a:spcPct val="115000"/>
               </a:lnSpc>
@@ -4636,7 +4762,7 @@
                 </a:solidFill>
               </a:defRPr>
             </a:lvl3pPr>
-            <a:lvl4pPr indent="-317500" lvl="3" marL="1828800">
+            <a:lvl4pPr marL="1828800" lvl="3" indent="-317500">
               <a:lnSpc>
                 <a:spcPct val="115000"/>
               </a:lnSpc>
@@ -4657,7 +4783,7 @@
                 </a:solidFill>
               </a:defRPr>
             </a:lvl4pPr>
-            <a:lvl5pPr indent="-317500" lvl="4" marL="2286000">
+            <a:lvl5pPr marL="2286000" lvl="4" indent="-317500">
               <a:lnSpc>
                 <a:spcPct val="115000"/>
               </a:lnSpc>
@@ -4678,7 +4804,7 @@
                 </a:solidFill>
               </a:defRPr>
             </a:lvl5pPr>
-            <a:lvl6pPr indent="-317500" lvl="5" marL="2743200">
+            <a:lvl6pPr marL="2743200" lvl="5" indent="-317500">
               <a:lnSpc>
                 <a:spcPct val="115000"/>
               </a:lnSpc>
@@ -4699,7 +4825,7 @@
                 </a:solidFill>
               </a:defRPr>
             </a:lvl6pPr>
-            <a:lvl7pPr indent="-317500" lvl="6" marL="3200400">
+            <a:lvl7pPr marL="3200400" lvl="6" indent="-317500">
               <a:lnSpc>
                 <a:spcPct val="115000"/>
               </a:lnSpc>
@@ -4720,7 +4846,7 @@
                 </a:solidFill>
               </a:defRPr>
             </a:lvl7pPr>
-            <a:lvl8pPr indent="-317500" lvl="7" marL="3657600">
+            <a:lvl8pPr marL="3657600" lvl="7" indent="-317500">
               <a:lnSpc>
                 <a:spcPct val="115000"/>
               </a:lnSpc>
@@ -4741,7 +4867,7 @@
                 </a:solidFill>
               </a:defRPr>
             </a:lvl8pPr>
-            <a:lvl9pPr indent="-317500" lvl="8" marL="4114800">
+            <a:lvl9pPr marL="4114800" lvl="8" indent="-317500">
               <a:lnSpc>
                 <a:spcPct val="115000"/>
               </a:lnSpc>
@@ -4763,15 +4889,19 @@
               </a:defRPr>
             </a:lvl9pPr>
           </a:lstStyle>
-          <a:p/>
+          <a:p>
+            <a:endParaRPr/>
+          </a:p>
         </p:txBody>
       </p:sp>
       <p:sp>
         <p:nvSpPr>
           <p:cNvPr id="8" name="Google Shape;8;p1"/>
-          <p:cNvSpPr txBox="1"/>
+          <p:cNvSpPr txBox="1">
+            <a:spLocks noGrp="1"/>
+          </p:cNvSpPr>
           <p:nvPr>
-            <p:ph idx="12" type="sldNum"/>
+            <p:ph type="sldNum" idx="12"/>
           </p:nvPr>
         </p:nvSpPr>
         <p:spPr>
@@ -4788,7 +4918,7 @@
           </a:ln>
         </p:spPr>
         <p:txBody>
-          <a:bodyPr anchorCtr="0" anchor="ctr" bIns="91425" lIns="91425" spcFirstLastPara="1" rIns="91425" wrap="square" tIns="91425">
+          <a:bodyPr spcFirstLastPara="1" wrap="square" lIns="91425" tIns="91425" rIns="91425" bIns="91425" anchor="ctr" anchorCtr="0">
             <a:noAutofit/>
           </a:bodyPr>
           <a:lstStyle>
@@ -4866,7 +4996,7 @@
             </a:lvl9pPr>
           </a:lstStyle>
           <a:p>
-            <a:pPr indent="0" lvl="0" marL="0" rtl="0" algn="r">
+            <a:pPr marL="0" lvl="0" indent="0" algn="r" rtl="0">
               <a:spcBef>
                 <a:spcPts val="0"/>
               </a:spcBef>
@@ -4885,7 +5015,7 @@
       </p:sp>
     </p:spTree>
   </p:cSld>
-  <p:clrMap accent1="accent1" accent2="accent2" accent3="accent3" accent4="accent4" accent5="accent5" accent6="accent6" bg1="lt1" bg2="dk2" tx1="dk1" tx2="lt2" folHlink="folHlink" hlink="hlink"/>
+  <p:clrMap bg1="lt1" tx1="dk1" bg2="dk2" tx2="lt2" accent1="accent1" accent2="accent2" accent3="accent3" accent4="accent4" accent5="accent5" accent6="accent6" hlink="hlink" folHlink="folHlink"/>
   <p:sldLayoutIdLst>
     <p:sldLayoutId id="2147483648" r:id="rId1"/>
     <p:sldLayoutId id="2147483649" r:id="rId2"/>
@@ -4899,10 +5029,10 @@
     <p:sldLayoutId id="2147483657" r:id="rId10"/>
     <p:sldLayoutId id="2147483658" r:id="rId11"/>
   </p:sldLayoutIdLst>
-  <p:hf dt="0" ftr="0" hdr="0" sldNum="0"/>
+  <p:hf sldNum="0" hdr="0" ftr="0" dt="0"/>
   <p:txStyles>
     <p:titleStyle>
-      <a:defPPr lvl="0" marR="0" rtl="0" algn="l">
+      <a:defPPr marR="0" lvl="0" algn="l" rtl="0">
         <a:lnSpc>
           <a:spcPct val="100000"/>
         </a:lnSpc>
@@ -4913,7 +5043,7 @@
           <a:spcPts val="0"/>
         </a:spcAft>
       </a:defPPr>
-      <a:lvl1pPr lvl="0" marR="0" rtl="0" algn="l">
+      <a:lvl1pPr marR="0" lvl="0" algn="l" rtl="0">
         <a:lnSpc>
           <a:spcPct val="100000"/>
         </a:lnSpc>
@@ -4927,7 +5057,7 @@
           <a:srgbClr val="000000"/>
         </a:buClr>
         <a:buFont typeface="Arial"/>
-        <a:defRPr b="0" i="0" sz="1400" u="none" cap="none" strike="noStrike">
+        <a:defRPr sz="1400" b="0" i="0" u="none" strike="noStrike" cap="none">
           <a:solidFill>
             <a:srgbClr val="000000"/>
           </a:solidFill>
@@ -4937,7 +5067,7 @@
           <a:sym typeface="Arial"/>
         </a:defRPr>
       </a:lvl1pPr>
-      <a:lvl2pPr lvl="1" marR="0" rtl="0" algn="l">
+      <a:lvl2pPr marR="0" lvl="1" algn="l" rtl="0">
         <a:lnSpc>
           <a:spcPct val="100000"/>
         </a:lnSpc>
@@ -4951,7 +5081,7 @@
           <a:srgbClr val="000000"/>
         </a:buClr>
         <a:buFont typeface="Arial"/>
-        <a:defRPr b="0" i="0" sz="1400" u="none" cap="none" strike="noStrike">
+        <a:defRPr sz="1400" b="0" i="0" u="none" strike="noStrike" cap="none">
           <a:solidFill>
             <a:srgbClr val="000000"/>
           </a:solidFill>
@@ -4961,7 +5091,7 @@
           <a:sym typeface="Arial"/>
         </a:defRPr>
       </a:lvl2pPr>
-      <a:lvl3pPr lvl="2" marR="0" rtl="0" algn="l">
+      <a:lvl3pPr marR="0" lvl="2" algn="l" rtl="0">
         <a:lnSpc>
           <a:spcPct val="100000"/>
         </a:lnSpc>
@@ -4975,7 +5105,7 @@
           <a:srgbClr val="000000"/>
         </a:buClr>
         <a:buFont typeface="Arial"/>
-        <a:defRPr b="0" i="0" sz="1400" u="none" cap="none" strike="noStrike">
+        <a:defRPr sz="1400" b="0" i="0" u="none" strike="noStrike" cap="none">
           <a:solidFill>
             <a:srgbClr val="000000"/>
           </a:solidFill>
@@ -4985,7 +5115,7 @@
           <a:sym typeface="Arial"/>
         </a:defRPr>
       </a:lvl3pPr>
-      <a:lvl4pPr lvl="3" marR="0" rtl="0" algn="l">
+      <a:lvl4pPr marR="0" lvl="3" algn="l" rtl="0">
         <a:lnSpc>
           <a:spcPct val="100000"/>
         </a:lnSpc>
@@ -4999,7 +5129,7 @@
           <a:srgbClr val="000000"/>
         </a:buClr>
         <a:buFont typeface="Arial"/>
-        <a:defRPr b="0" i="0" sz="1400" u="none" cap="none" strike="noStrike">
+        <a:defRPr sz="1400" b="0" i="0" u="none" strike="noStrike" cap="none">
           <a:solidFill>
             <a:srgbClr val="000000"/>
           </a:solidFill>
@@ -5009,7 +5139,7 @@
           <a:sym typeface="Arial"/>
         </a:defRPr>
       </a:lvl4pPr>
-      <a:lvl5pPr lvl="4" marR="0" rtl="0" algn="l">
+      <a:lvl5pPr marR="0" lvl="4" algn="l" rtl="0">
         <a:lnSpc>
           <a:spcPct val="100000"/>
         </a:lnSpc>
@@ -5023,7 +5153,7 @@
           <a:srgbClr val="000000"/>
         </a:buClr>
         <a:buFont typeface="Arial"/>
-        <a:defRPr b="0" i="0" sz="1400" u="none" cap="none" strike="noStrike">
+        <a:defRPr sz="1400" b="0" i="0" u="none" strike="noStrike" cap="none">
           <a:solidFill>
             <a:srgbClr val="000000"/>
           </a:solidFill>
@@ -5033,7 +5163,7 @@
           <a:sym typeface="Arial"/>
         </a:defRPr>
       </a:lvl5pPr>
-      <a:lvl6pPr lvl="5" marR="0" rtl="0" algn="l">
+      <a:lvl6pPr marR="0" lvl="5" algn="l" rtl="0">
         <a:lnSpc>
           <a:spcPct val="100000"/>
         </a:lnSpc>
@@ -5047,7 +5177,7 @@
           <a:srgbClr val="000000"/>
         </a:buClr>
         <a:buFont typeface="Arial"/>
-        <a:defRPr b="0" i="0" sz="1400" u="none" cap="none" strike="noStrike">
+        <a:defRPr sz="1400" b="0" i="0" u="none" strike="noStrike" cap="none">
           <a:solidFill>
             <a:srgbClr val="000000"/>
           </a:solidFill>
@@ -5057,7 +5187,7 @@
           <a:sym typeface="Arial"/>
         </a:defRPr>
       </a:lvl6pPr>
-      <a:lvl7pPr lvl="6" marR="0" rtl="0" algn="l">
+      <a:lvl7pPr marR="0" lvl="6" algn="l" rtl="0">
         <a:lnSpc>
           <a:spcPct val="100000"/>
         </a:lnSpc>
@@ -5071,7 +5201,7 @@
           <a:srgbClr val="000000"/>
         </a:buClr>
         <a:buFont typeface="Arial"/>
-        <a:defRPr b="0" i="0" sz="1400" u="none" cap="none" strike="noStrike">
+        <a:defRPr sz="1400" b="0" i="0" u="none" strike="noStrike" cap="none">
           <a:solidFill>
             <a:srgbClr val="000000"/>
           </a:solidFill>
@@ -5081,7 +5211,7 @@
           <a:sym typeface="Arial"/>
         </a:defRPr>
       </a:lvl7pPr>
-      <a:lvl8pPr lvl="7" marR="0" rtl="0" algn="l">
+      <a:lvl8pPr marR="0" lvl="7" algn="l" rtl="0">
         <a:lnSpc>
           <a:spcPct val="100000"/>
         </a:lnSpc>
@@ -5095,7 +5225,7 @@
           <a:srgbClr val="000000"/>
         </a:buClr>
         <a:buFont typeface="Arial"/>
-        <a:defRPr b="0" i="0" sz="1400" u="none" cap="none" strike="noStrike">
+        <a:defRPr sz="1400" b="0" i="0" u="none" strike="noStrike" cap="none">
           <a:solidFill>
             <a:srgbClr val="000000"/>
           </a:solidFill>
@@ -5105,7 +5235,7 @@
           <a:sym typeface="Arial"/>
         </a:defRPr>
       </a:lvl8pPr>
-      <a:lvl9pPr lvl="8" marR="0" rtl="0" algn="l">
+      <a:lvl9pPr marR="0" lvl="8" algn="l" rtl="0">
         <a:lnSpc>
           <a:spcPct val="100000"/>
         </a:lnSpc>
@@ -5119,7 +5249,7 @@
           <a:srgbClr val="000000"/>
         </a:buClr>
         <a:buFont typeface="Arial"/>
-        <a:defRPr b="0" i="0" sz="1400" u="none" cap="none" strike="noStrike">
+        <a:defRPr sz="1400" b="0" i="0" u="none" strike="noStrike" cap="none">
           <a:solidFill>
             <a:srgbClr val="000000"/>
           </a:solidFill>
@@ -5131,7 +5261,7 @@
       </a:lvl9pPr>
     </p:titleStyle>
     <p:bodyStyle>
-      <a:defPPr lvl="0" marR="0" rtl="0" algn="l">
+      <a:defPPr marR="0" lvl="0" algn="l" rtl="0">
         <a:lnSpc>
           <a:spcPct val="100000"/>
         </a:lnSpc>
@@ -5142,7 +5272,7 @@
           <a:spcPts val="0"/>
         </a:spcAft>
       </a:defPPr>
-      <a:lvl1pPr lvl="0" marR="0" rtl="0" algn="l">
+      <a:lvl1pPr marR="0" lvl="0" algn="l" rtl="0">
         <a:lnSpc>
           <a:spcPct val="100000"/>
         </a:lnSpc>
@@ -5156,7 +5286,7 @@
           <a:srgbClr val="000000"/>
         </a:buClr>
         <a:buFont typeface="Arial"/>
-        <a:defRPr b="0" i="0" sz="1400" u="none" cap="none" strike="noStrike">
+        <a:defRPr sz="1400" b="0" i="0" u="none" strike="noStrike" cap="none">
           <a:solidFill>
             <a:srgbClr val="000000"/>
           </a:solidFill>
@@ -5166,7 +5296,7 @@
           <a:sym typeface="Arial"/>
         </a:defRPr>
       </a:lvl1pPr>
-      <a:lvl2pPr lvl="1" marR="0" rtl="0" algn="l">
+      <a:lvl2pPr marR="0" lvl="1" algn="l" rtl="0">
         <a:lnSpc>
           <a:spcPct val="100000"/>
         </a:lnSpc>
@@ -5180,7 +5310,7 @@
           <a:srgbClr val="000000"/>
         </a:buClr>
         <a:buFont typeface="Arial"/>
-        <a:defRPr b="0" i="0" sz="1400" u="none" cap="none" strike="noStrike">
+        <a:defRPr sz="1400" b="0" i="0" u="none" strike="noStrike" cap="none">
           <a:solidFill>
             <a:srgbClr val="000000"/>
           </a:solidFill>
@@ -5190,7 +5320,7 @@
           <a:sym typeface="Arial"/>
         </a:defRPr>
       </a:lvl2pPr>
-      <a:lvl3pPr lvl="2" marR="0" rtl="0" algn="l">
+      <a:lvl3pPr marR="0" lvl="2" algn="l" rtl="0">
         <a:lnSpc>
           <a:spcPct val="100000"/>
         </a:lnSpc>
@@ -5204,7 +5334,7 @@
           <a:srgbClr val="000000"/>
         </a:buClr>
         <a:buFont typeface="Arial"/>
-        <a:defRPr b="0" i="0" sz="1400" u="none" cap="none" strike="noStrike">
+        <a:defRPr sz="1400" b="0" i="0" u="none" strike="noStrike" cap="none">
           <a:solidFill>
             <a:srgbClr val="000000"/>
           </a:solidFill>
@@ -5214,7 +5344,7 @@
           <a:sym typeface="Arial"/>
         </a:defRPr>
       </a:lvl3pPr>
-      <a:lvl4pPr lvl="3" marR="0" rtl="0" algn="l">
+      <a:lvl4pPr marR="0" lvl="3" algn="l" rtl="0">
         <a:lnSpc>
           <a:spcPct val="100000"/>
         </a:lnSpc>
@@ -5228,7 +5358,7 @@
           <a:srgbClr val="000000"/>
         </a:buClr>
         <a:buFont typeface="Arial"/>
-        <a:defRPr b="0" i="0" sz="1400" u="none" cap="none" strike="noStrike">
+        <a:defRPr sz="1400" b="0" i="0" u="none" strike="noStrike" cap="none">
           <a:solidFill>
             <a:srgbClr val="000000"/>
           </a:solidFill>
@@ -5238,7 +5368,7 @@
           <a:sym typeface="Arial"/>
         </a:defRPr>
       </a:lvl4pPr>
-      <a:lvl5pPr lvl="4" marR="0" rtl="0" algn="l">
+      <a:lvl5pPr marR="0" lvl="4" algn="l" rtl="0">
         <a:lnSpc>
           <a:spcPct val="100000"/>
         </a:lnSpc>
@@ -5252,7 +5382,7 @@
           <a:srgbClr val="000000"/>
         </a:buClr>
         <a:buFont typeface="Arial"/>
-        <a:defRPr b="0" i="0" sz="1400" u="none" cap="none" strike="noStrike">
+        <a:defRPr sz="1400" b="0" i="0" u="none" strike="noStrike" cap="none">
           <a:solidFill>
             <a:srgbClr val="000000"/>
           </a:solidFill>
@@ -5262,7 +5392,7 @@
           <a:sym typeface="Arial"/>
         </a:defRPr>
       </a:lvl5pPr>
-      <a:lvl6pPr lvl="5" marR="0" rtl="0" algn="l">
+      <a:lvl6pPr marR="0" lvl="5" algn="l" rtl="0">
         <a:lnSpc>
           <a:spcPct val="100000"/>
         </a:lnSpc>
@@ -5276,7 +5406,7 @@
           <a:srgbClr val="000000"/>
         </a:buClr>
         <a:buFont typeface="Arial"/>
-        <a:defRPr b="0" i="0" sz="1400" u="none" cap="none" strike="noStrike">
+        <a:defRPr sz="1400" b="0" i="0" u="none" strike="noStrike" cap="none">
           <a:solidFill>
             <a:srgbClr val="000000"/>
           </a:solidFill>
@@ -5286,7 +5416,7 @@
           <a:sym typeface="Arial"/>
         </a:defRPr>
       </a:lvl6pPr>
-      <a:lvl7pPr lvl="6" marR="0" rtl="0" algn="l">
+      <a:lvl7pPr marR="0" lvl="6" algn="l" rtl="0">
         <a:lnSpc>
           <a:spcPct val="100000"/>
         </a:lnSpc>
@@ -5300,7 +5430,7 @@
           <a:srgbClr val="000000"/>
         </a:buClr>
         <a:buFont typeface="Arial"/>
-        <a:defRPr b="0" i="0" sz="1400" u="none" cap="none" strike="noStrike">
+        <a:defRPr sz="1400" b="0" i="0" u="none" strike="noStrike" cap="none">
           <a:solidFill>
             <a:srgbClr val="000000"/>
           </a:solidFill>
@@ -5310,7 +5440,7 @@
           <a:sym typeface="Arial"/>
         </a:defRPr>
       </a:lvl7pPr>
-      <a:lvl8pPr lvl="7" marR="0" rtl="0" algn="l">
+      <a:lvl8pPr marR="0" lvl="7" algn="l" rtl="0">
         <a:lnSpc>
           <a:spcPct val="100000"/>
         </a:lnSpc>
@@ -5324,7 +5454,7 @@
           <a:srgbClr val="000000"/>
         </a:buClr>
         <a:buFont typeface="Arial"/>
-        <a:defRPr b="0" i="0" sz="1400" u="none" cap="none" strike="noStrike">
+        <a:defRPr sz="1400" b="0" i="0" u="none" strike="noStrike" cap="none">
           <a:solidFill>
             <a:srgbClr val="000000"/>
           </a:solidFill>
@@ -5334,7 +5464,7 @@
           <a:sym typeface="Arial"/>
         </a:defRPr>
       </a:lvl8pPr>
-      <a:lvl9pPr lvl="8" marR="0" rtl="0" algn="l">
+      <a:lvl9pPr marR="0" lvl="8" algn="l" rtl="0">
         <a:lnSpc>
           <a:spcPct val="100000"/>
         </a:lnSpc>
@@ -5348,7 +5478,7 @@
           <a:srgbClr val="000000"/>
         </a:buClr>
         <a:buFont typeface="Arial"/>
-        <a:defRPr b="0" i="0" sz="1400" u="none" cap="none" strike="noStrike">
+        <a:defRPr sz="1400" b="0" i="0" u="none" strike="noStrike" cap="none">
           <a:solidFill>
             <a:srgbClr val="000000"/>
           </a:solidFill>
@@ -5360,7 +5490,7 @@
       </a:lvl9pPr>
     </p:bodyStyle>
     <p:otherStyle>
-      <a:defPPr lvl="0" marR="0" rtl="0" algn="l">
+      <a:defPPr marR="0" lvl="0" algn="l" rtl="0">
         <a:lnSpc>
           <a:spcPct val="100000"/>
         </a:lnSpc>
@@ -5371,7 +5501,7 @@
           <a:spcPts val="0"/>
         </a:spcAft>
       </a:defPPr>
-      <a:lvl1pPr lvl="0" marR="0" rtl="0" algn="l">
+      <a:lvl1pPr marR="0" lvl="0" algn="l" rtl="0">
         <a:lnSpc>
           <a:spcPct val="100000"/>
         </a:lnSpc>
@@ -5385,7 +5515,7 @@
           <a:srgbClr val="000000"/>
         </a:buClr>
         <a:buFont typeface="Arial"/>
-        <a:defRPr b="0" i="0" sz="1400" u="none" cap="none" strike="noStrike">
+        <a:defRPr sz="1400" b="0" i="0" u="none" strike="noStrike" cap="none">
           <a:solidFill>
             <a:srgbClr val="000000"/>
           </a:solidFill>
@@ -5395,7 +5525,7 @@
           <a:sym typeface="Arial"/>
         </a:defRPr>
       </a:lvl1pPr>
-      <a:lvl2pPr lvl="1" marR="0" rtl="0" algn="l">
+      <a:lvl2pPr marR="0" lvl="1" algn="l" rtl="0">
         <a:lnSpc>
           <a:spcPct val="100000"/>
         </a:lnSpc>
@@ -5409,7 +5539,7 @@
           <a:srgbClr val="000000"/>
         </a:buClr>
         <a:buFont typeface="Arial"/>
-        <a:defRPr b="0" i="0" sz="1400" u="none" cap="none" strike="noStrike">
+        <a:defRPr sz="1400" b="0" i="0" u="none" strike="noStrike" cap="none">
           <a:solidFill>
             <a:srgbClr val="000000"/>
           </a:solidFill>
@@ -5419,7 +5549,7 @@
           <a:sym typeface="Arial"/>
         </a:defRPr>
       </a:lvl2pPr>
-      <a:lvl3pPr lvl="2" marR="0" rtl="0" algn="l">
+      <a:lvl3pPr marR="0" lvl="2" algn="l" rtl="0">
         <a:lnSpc>
           <a:spcPct val="100000"/>
         </a:lnSpc>
@@ -5433,7 +5563,7 @@
           <a:srgbClr val="000000"/>
         </a:buClr>
         <a:buFont typeface="Arial"/>
-        <a:defRPr b="0" i="0" sz="1400" u="none" cap="none" strike="noStrike">
+        <a:defRPr sz="1400" b="0" i="0" u="none" strike="noStrike" cap="none">
           <a:solidFill>
             <a:srgbClr val="000000"/>
           </a:solidFill>
@@ -5443,7 +5573,7 @@
           <a:sym typeface="Arial"/>
         </a:defRPr>
       </a:lvl3pPr>
-      <a:lvl4pPr lvl="3" marR="0" rtl="0" algn="l">
+      <a:lvl4pPr marR="0" lvl="3" algn="l" rtl="0">
         <a:lnSpc>
           <a:spcPct val="100000"/>
         </a:lnSpc>
@@ -5457,7 +5587,7 @@
           <a:srgbClr val="000000"/>
         </a:buClr>
         <a:buFont typeface="Arial"/>
-        <a:defRPr b="0" i="0" sz="1400" u="none" cap="none" strike="noStrike">
+        <a:defRPr sz="1400" b="0" i="0" u="none" strike="noStrike" cap="none">
           <a:solidFill>
             <a:srgbClr val="000000"/>
           </a:solidFill>
@@ -5467,7 +5597,7 @@
           <a:sym typeface="Arial"/>
         </a:defRPr>
       </a:lvl4pPr>
-      <a:lvl5pPr lvl="4" marR="0" rtl="0" algn="l">
+      <a:lvl5pPr marR="0" lvl="4" algn="l" rtl="0">
         <a:lnSpc>
           <a:spcPct val="100000"/>
         </a:lnSpc>
@@ -5481,7 +5611,7 @@
           <a:srgbClr val="000000"/>
         </a:buClr>
         <a:buFont typeface="Arial"/>
-        <a:defRPr b="0" i="0" sz="1400" u="none" cap="none" strike="noStrike">
+        <a:defRPr sz="1400" b="0" i="0" u="none" strike="noStrike" cap="none">
           <a:solidFill>
             <a:srgbClr val="000000"/>
           </a:solidFill>
@@ -5491,7 +5621,7 @@
           <a:sym typeface="Arial"/>
         </a:defRPr>
       </a:lvl5pPr>
-      <a:lvl6pPr lvl="5" marR="0" rtl="0" algn="l">
+      <a:lvl6pPr marR="0" lvl="5" algn="l" rtl="0">
         <a:lnSpc>
           <a:spcPct val="100000"/>
         </a:lnSpc>
@@ -5505,7 +5635,7 @@
           <a:srgbClr val="000000"/>
         </a:buClr>
         <a:buFont typeface="Arial"/>
-        <a:defRPr b="0" i="0" sz="1400" u="none" cap="none" strike="noStrike">
+        <a:defRPr sz="1400" b="0" i="0" u="none" strike="noStrike" cap="none">
           <a:solidFill>
             <a:srgbClr val="000000"/>
           </a:solidFill>
@@ -5515,7 +5645,7 @@
           <a:sym typeface="Arial"/>
         </a:defRPr>
       </a:lvl6pPr>
-      <a:lvl7pPr lvl="6" marR="0" rtl="0" algn="l">
+      <a:lvl7pPr marR="0" lvl="6" algn="l" rtl="0">
         <a:lnSpc>
           <a:spcPct val="100000"/>
         </a:lnSpc>
@@ -5529,7 +5659,7 @@
           <a:srgbClr val="000000"/>
         </a:buClr>
         <a:buFont typeface="Arial"/>
-        <a:defRPr b="0" i="0" sz="1400" u="none" cap="none" strike="noStrike">
+        <a:defRPr sz="1400" b="0" i="0" u="none" strike="noStrike" cap="none">
           <a:solidFill>
             <a:srgbClr val="000000"/>
           </a:solidFill>
@@ -5539,7 +5669,7 @@
           <a:sym typeface="Arial"/>
         </a:defRPr>
       </a:lvl7pPr>
-      <a:lvl8pPr lvl="7" marR="0" rtl="0" algn="l">
+      <a:lvl8pPr marR="0" lvl="7" algn="l" rtl="0">
         <a:lnSpc>
           <a:spcPct val="100000"/>
         </a:lnSpc>
@@ -5553,7 +5683,7 @@
           <a:srgbClr val="000000"/>
         </a:buClr>
         <a:buFont typeface="Arial"/>
-        <a:defRPr b="0" i="0" sz="1400" u="none" cap="none" strike="noStrike">
+        <a:defRPr sz="1400" b="0" i="0" u="none" strike="noStrike" cap="none">
           <a:solidFill>
             <a:srgbClr val="000000"/>
           </a:solidFill>
@@ -5563,7 +5693,7 @@
           <a:sym typeface="Arial"/>
         </a:defRPr>
       </a:lvl8pPr>
-      <a:lvl9pPr lvl="8" marR="0" rtl="0" algn="l">
+      <a:lvl9pPr marR="0" lvl="8" algn="l" rtl="0">
         <a:lnSpc>
           <a:spcPct val="100000"/>
         </a:lnSpc>
@@ -5577,7 +5707,7 @@
           <a:srgbClr val="000000"/>
         </a:buClr>
         <a:buFont typeface="Arial"/>
-        <a:defRPr b="0" i="0" sz="1400" u="none" cap="none" strike="noStrike">
+        <a:defRPr sz="1400" b="0" i="0" u="none" strike="noStrike" cap="none">
           <a:solidFill>
             <a:srgbClr val="000000"/>
           </a:solidFill>
@@ -5593,11 +5723,11 @@
 </file>
 
 <file path=ppt/slides/slide1.xml><?xml version="1.0" encoding="utf-8"?>
-<p:sld xmlns:a="http://schemas.openxmlformats.org/drawingml/2006/main" xmlns:r="http://schemas.openxmlformats.org/officeDocument/2006/relationships" xmlns:mc="http://schemas.openxmlformats.org/markup-compatibility/2006" xmlns:mv="urn:schemas-microsoft-com:mac:vml" xmlns:p="http://schemas.openxmlformats.org/presentationml/2006/main" xmlns:c="http://schemas.openxmlformats.org/drawingml/2006/chart" xmlns:dgm="http://schemas.openxmlformats.org/drawingml/2006/diagram" xmlns:o="urn:schemas-microsoft-com:office:office" xmlns:v="urn:schemas-microsoft-com:vml" xmlns:pvml="urn:schemas-microsoft-com:office:powerpoint" xmlns:com="http://schemas.openxmlformats.org/drawingml/2006/compatibility" xmlns:p14="http://schemas.microsoft.com/office/powerpoint/2010/main" xmlns:p15="http://schemas.microsoft.com/office/powerpoint/2012/main">
+<p:sld xmlns:a="http://schemas.openxmlformats.org/drawingml/2006/main" xmlns:r="http://schemas.openxmlformats.org/officeDocument/2006/relationships" xmlns:p="http://schemas.openxmlformats.org/presentationml/2006/main">
   <p:cSld>
     <p:spTree>
       <p:nvGrpSpPr>
-        <p:cNvPr id="53" name="Shape 53"/>
+        <p:cNvPr id="1" name="Shape 53"/>
         <p:cNvGrpSpPr/>
         <p:nvPr/>
       </p:nvGrpSpPr>
@@ -5612,7 +5742,9 @@
       <p:sp>
         <p:nvSpPr>
           <p:cNvPr id="54" name="Google Shape;54;p13"/>
-          <p:cNvSpPr txBox="1"/>
+          <p:cNvSpPr txBox="1">
+            <a:spLocks noGrp="1"/>
+          </p:cNvSpPr>
           <p:nvPr>
             <p:ph type="ctrTitle"/>
           </p:nvPr>
@@ -5627,12 +5759,12 @@
           </a:prstGeom>
         </p:spPr>
         <p:txBody>
-          <a:bodyPr anchorCtr="0" anchor="b" bIns="91425" lIns="91425" spcFirstLastPara="1" rIns="91425" wrap="square" tIns="91425">
+          <a:bodyPr spcFirstLastPara="1" wrap="square" lIns="91425" tIns="91425" rIns="91425" bIns="91425" anchor="b" anchorCtr="0">
             <a:noAutofit/>
           </a:bodyPr>
           <a:lstStyle/>
           <a:p>
-            <a:pPr indent="0" lvl="0" marL="0" rtl="0" algn="l">
+            <a:pPr marL="0" lvl="0" indent="0" algn="l" rtl="0">
               <a:spcBef>
                 <a:spcPts val="0"/>
               </a:spcBef>
@@ -5652,9 +5784,11 @@
       <p:sp>
         <p:nvSpPr>
           <p:cNvPr id="55" name="Google Shape;55;p13"/>
-          <p:cNvSpPr txBox="1"/>
+          <p:cNvSpPr txBox="1">
+            <a:spLocks noGrp="1"/>
+          </p:cNvSpPr>
           <p:nvPr>
-            <p:ph idx="1" type="subTitle"/>
+            <p:ph type="subTitle" idx="1"/>
           </p:nvPr>
         </p:nvSpPr>
         <p:spPr>
@@ -5667,12 +5801,12 @@
           </a:prstGeom>
         </p:spPr>
         <p:txBody>
-          <a:bodyPr anchorCtr="0" anchor="t" bIns="91425" lIns="91425" spcFirstLastPara="1" rIns="91425" wrap="square" tIns="91425">
+          <a:bodyPr spcFirstLastPara="1" wrap="square" lIns="91425" tIns="91425" rIns="91425" bIns="91425" anchor="t" anchorCtr="0">
             <a:noAutofit/>
           </a:bodyPr>
           <a:lstStyle/>
           <a:p>
-            <a:pPr indent="0" lvl="0" marL="0" rtl="0" algn="l">
+            <a:pPr marL="0" lvl="0" indent="0" algn="l" rtl="0">
               <a:spcBef>
                 <a:spcPts val="0"/>
               </a:spcBef>
@@ -5688,7 +5822,7 @@
             <a:endParaRPr/>
           </a:p>
           <a:p>
-            <a:pPr indent="0" lvl="0" marL="0" rtl="0" algn="l">
+            <a:pPr marL="0" lvl="0" indent="0" algn="l" rtl="0">
               <a:spcBef>
                 <a:spcPts val="0"/>
               </a:spcBef>
@@ -5704,7 +5838,7 @@
             <a:endParaRPr/>
           </a:p>
           <a:p>
-            <a:pPr indent="0" lvl="0" marL="0" rtl="0" algn="l">
+            <a:pPr marL="0" lvl="0" indent="0" algn="l" rtl="0">
               <a:spcBef>
                 <a:spcPts val="0"/>
               </a:spcBef>
@@ -5713,13 +5847,10 @@
               </a:spcAft>
               <a:buNone/>
             </a:pPr>
-            <a:r>
-              <a:t/>
-            </a:r>
             <a:endParaRPr/>
           </a:p>
           <a:p>
-            <a:pPr indent="0" lvl="0" marL="0" rtl="0" algn="l">
+            <a:pPr marL="0" lvl="0" indent="0" algn="l" rtl="0">
               <a:spcBef>
                 <a:spcPts val="0"/>
               </a:spcBef>
@@ -5735,7 +5866,7 @@
             <a:endParaRPr/>
           </a:p>
           <a:p>
-            <a:pPr indent="0" lvl="0" marL="0" rtl="0" algn="l">
+            <a:pPr marL="0" lvl="0" indent="0" algn="l" rtl="0">
               <a:spcBef>
                 <a:spcPts val="0"/>
               </a:spcBef>
@@ -5746,15 +5877,7 @@
             </a:pPr>
             <a:r>
               <a:rPr lang="en"/>
-              <a:t>So we take that into consideration when we trace it. We integrate by having multiple sample points along each path and than do </a:t>
-            </a:r>
-            <a:r>
-              <a:rPr lang="en"/>
-              <a:t>russian roulette to get the estimate</a:t>
-            </a:r>
-            <a:r>
-              <a:rPr lang="en"/>
-              <a:t> .</a:t>
+              <a:t>So we take that into consideration when we trace it. We integrate by having multiple sample points along each path and than do russian roulette to get the estimate .</a:t>
             </a:r>
             <a:endParaRPr/>
           </a:p>
@@ -5769,11 +5892,11 @@
 </file>
 
 <file path=ppt/slides/slide2.xml><?xml version="1.0" encoding="utf-8"?>
-<p:sld xmlns:a="http://schemas.openxmlformats.org/drawingml/2006/main" xmlns:r="http://schemas.openxmlformats.org/officeDocument/2006/relationships" xmlns:mc="http://schemas.openxmlformats.org/markup-compatibility/2006" xmlns:mv="urn:schemas-microsoft-com:mac:vml" xmlns:p="http://schemas.openxmlformats.org/presentationml/2006/main" xmlns:c="http://schemas.openxmlformats.org/drawingml/2006/chart" xmlns:dgm="http://schemas.openxmlformats.org/drawingml/2006/diagram" xmlns:o="urn:schemas-microsoft-com:office:office" xmlns:v="urn:schemas-microsoft-com:vml" xmlns:pvml="urn:schemas-microsoft-com:office:powerpoint" xmlns:com="http://schemas.openxmlformats.org/drawingml/2006/compatibility" xmlns:p14="http://schemas.microsoft.com/office/powerpoint/2010/main" xmlns:p15="http://schemas.microsoft.com/office/powerpoint/2012/main">
+<p:sld xmlns:a="http://schemas.openxmlformats.org/drawingml/2006/main" xmlns:r="http://schemas.openxmlformats.org/officeDocument/2006/relationships" xmlns:p="http://schemas.openxmlformats.org/presentationml/2006/main">
   <p:cSld>
     <p:spTree>
       <p:nvGrpSpPr>
-        <p:cNvPr id="59" name="Shape 59"/>
+        <p:cNvPr id="1" name="Shape 59"/>
         <p:cNvGrpSpPr/>
         <p:nvPr/>
       </p:nvGrpSpPr>
@@ -5788,7 +5911,9 @@
       <p:sp>
         <p:nvSpPr>
           <p:cNvPr id="60" name="Google Shape;60;p14"/>
-          <p:cNvSpPr txBox="1"/>
+          <p:cNvSpPr txBox="1">
+            <a:spLocks noGrp="1"/>
+          </p:cNvSpPr>
           <p:nvPr>
             <p:ph type="title"/>
           </p:nvPr>
@@ -5803,12 +5928,12 @@
           </a:prstGeom>
         </p:spPr>
         <p:txBody>
-          <a:bodyPr anchorCtr="0" anchor="t" bIns="91425" lIns="91425" spcFirstLastPara="1" rIns="91425" wrap="square" tIns="91425">
+          <a:bodyPr spcFirstLastPara="1" wrap="square" lIns="91425" tIns="91425" rIns="91425" bIns="91425" anchor="t" anchorCtr="0">
             <a:noAutofit/>
           </a:bodyPr>
           <a:lstStyle/>
           <a:p>
-            <a:pPr indent="0" lvl="0" marL="0" rtl="0" algn="l">
+            <a:pPr marL="0" lvl="0" indent="0" algn="l" rtl="0">
               <a:spcBef>
                 <a:spcPts val="0"/>
               </a:spcBef>
@@ -5828,9 +5953,11 @@
       <p:sp>
         <p:nvSpPr>
           <p:cNvPr id="61" name="Google Shape;61;p14"/>
-          <p:cNvSpPr txBox="1"/>
+          <p:cNvSpPr txBox="1">
+            <a:spLocks noGrp="1"/>
+          </p:cNvSpPr>
           <p:nvPr>
-            <p:ph idx="1" type="body"/>
+            <p:ph type="body" idx="1"/>
           </p:nvPr>
         </p:nvSpPr>
         <p:spPr>
@@ -5843,12 +5970,12 @@
           </a:prstGeom>
         </p:spPr>
         <p:txBody>
-          <a:bodyPr anchorCtr="0" anchor="t" bIns="91425" lIns="91425" spcFirstLastPara="1" rIns="91425" wrap="square" tIns="91425">
+          <a:bodyPr spcFirstLastPara="1" wrap="square" lIns="91425" tIns="91425" rIns="91425" bIns="91425" anchor="t" anchorCtr="0">
             <a:noAutofit/>
           </a:bodyPr>
           <a:lstStyle/>
           <a:p>
-            <a:pPr indent="0" lvl="0" marL="0" rtl="0" algn="l">
+            <a:pPr marL="0" lvl="0" indent="0" algn="l" rtl="0">
               <a:spcBef>
                 <a:spcPts val="0"/>
               </a:spcBef>
@@ -5858,13 +5985,21 @@
               <a:buNone/>
             </a:pPr>
             <a:r>
-              <a:rPr lang="en"/>
-              <a:t>Sample Distance Dist; //sample distance</a:t>
+              <a:rPr lang="en" dirty="0"/>
+              <a:t>Sample Distance </a:t>
             </a:r>
-            <a:endParaRPr/>
+            <a:r>
+              <a:rPr lang="en" dirty="0" err="1"/>
+              <a:t>Dist</a:t>
+            </a:r>
+            <a:r>
+              <a:rPr lang="en" dirty="0"/>
+              <a:t>; //sample distance</a:t>
+            </a:r>
+            <a:endParaRPr dirty="0"/>
           </a:p>
           <a:p>
-            <a:pPr indent="0" lvl="0" marL="0" rtl="0" algn="l">
+            <a:pPr marL="0" lvl="0" indent="0" algn="l" rtl="0">
               <a:spcBef>
                 <a:spcPts val="1600"/>
               </a:spcBef>
@@ -5874,13 +6009,21 @@
               <a:buNone/>
             </a:pPr>
             <a:r>
-              <a:rPr lang="en"/>
-              <a:t>Light L.type = random(Scattering, Reflection); //light bounce from P</a:t>
+              <a:rPr lang="en" dirty="0"/>
+              <a:t>Light </a:t>
             </a:r>
-            <a:endParaRPr/>
+            <a:r>
+              <a:rPr lang="en" dirty="0" err="1"/>
+              <a:t>L.type</a:t>
+            </a:r>
+            <a:r>
+              <a:rPr lang="en" dirty="0"/>
+              <a:t> = random(Scattering, Reflection); //light bounce from P</a:t>
+            </a:r>
+            <a:endParaRPr dirty="0"/>
           </a:p>
           <a:p>
-            <a:pPr indent="0" lvl="0" marL="0" rtl="0" algn="l">
+            <a:pPr marL="0" lvl="0" indent="0" algn="l" rtl="0">
               <a:spcBef>
                 <a:spcPts val="1600"/>
               </a:spcBef>
@@ -5890,13 +6033,21 @@
               <a:buNone/>
             </a:pPr>
             <a:r>
-              <a:rPr lang="en"/>
-              <a:t>P = Point of dist away from P’; //convert distance to point</a:t>
+              <a:rPr lang="en" dirty="0"/>
+              <a:t>P = Point of </a:t>
             </a:r>
-            <a:endParaRPr/>
+            <a:r>
+              <a:rPr lang="en" dirty="0" err="1"/>
+              <a:t>dist</a:t>
+            </a:r>
+            <a:r>
+              <a:rPr lang="en" dirty="0"/>
+              <a:t> away from P’; //convert distance to point</a:t>
+            </a:r>
+            <a:endParaRPr dirty="0"/>
           </a:p>
           <a:p>
-            <a:pPr indent="0" lvl="0" marL="0" rtl="0" algn="l">
+            <a:pPr marL="0" lvl="0" indent="0" algn="l" rtl="0">
               <a:spcBef>
                 <a:spcPts val="1600"/>
               </a:spcBef>
@@ -5906,13 +6057,25 @@
               <a:buNone/>
             </a:pPr>
             <a:r>
-              <a:rPr lang="en"/>
-              <a:t>Wi, pdf = P.samplebrdf(); //sample brdf</a:t>
+              <a:rPr lang="en" dirty="0"/>
+              <a:t>Wi, pdf = </a:t>
             </a:r>
-            <a:endParaRPr/>
+            <a:r>
+              <a:rPr lang="en" dirty="0" err="1"/>
+              <a:t>P.samplebrdf</a:t>
+            </a:r>
+            <a:r>
+              <a:rPr lang="en" dirty="0"/>
+              <a:t>(); //sample </a:t>
+            </a:r>
+            <a:r>
+              <a:rPr lang="en" dirty="0" err="1"/>
+              <a:t>brdf</a:t>
+            </a:r>
+            <a:endParaRPr dirty="0"/>
           </a:p>
           <a:p>
-            <a:pPr indent="0" lvl="0" marL="0" rtl="0" algn="l">
+            <a:pPr marL="0" lvl="0" indent="0" algn="l" rtl="0">
               <a:spcBef>
                 <a:spcPts val="1600"/>
               </a:spcBef>
@@ -5922,13 +6085,33 @@
               <a:buNone/>
             </a:pPr>
             <a:r>
-              <a:rPr lang="en"/>
-              <a:t>Cpdf = continuationProabability(p.prdf,wi,wo);</a:t>
+              <a:rPr lang="en" dirty="0" err="1"/>
+              <a:t>Cpdf</a:t>
             </a:r>
-            <a:endParaRPr/>
+            <a:r>
+              <a:rPr lang="en" dirty="0"/>
+              <a:t> = </a:t>
+            </a:r>
+            <a:r>
+              <a:rPr lang="en" dirty="0" err="1"/>
+              <a:t>continuationProabability</a:t>
+            </a:r>
+            <a:r>
+              <a:rPr lang="en" dirty="0"/>
+              <a:t>(</a:t>
+            </a:r>
+            <a:r>
+              <a:rPr lang="en" dirty="0" err="1"/>
+              <a:t>p.prdf,wi,wo</a:t>
+            </a:r>
+            <a:r>
+              <a:rPr lang="en" dirty="0"/>
+              <a:t>);</a:t>
+            </a:r>
+            <a:endParaRPr dirty="0"/>
           </a:p>
           <a:p>
-            <a:pPr indent="0" lvl="0" marL="0" rtl="0" algn="l">
+            <a:pPr marL="0" lvl="0" indent="0" algn="l" rtl="0">
               <a:spcBef>
                 <a:spcPts val="1600"/>
               </a:spcBef>
@@ -5938,13 +6121,21 @@
               <a:buNone/>
             </a:pPr>
             <a:r>
-              <a:rPr lang="en"/>
-              <a:t>if(random01()&lt;cpdf){ //continue ray tracing</a:t>
+              <a:rPr lang="en" dirty="0"/>
+              <a:t>if(random01()&lt;</a:t>
             </a:r>
-            <a:endParaRPr/>
+            <a:r>
+              <a:rPr lang="en" dirty="0" err="1"/>
+              <a:t>cpdf</a:t>
+            </a:r>
+            <a:r>
+              <a:rPr lang="en" dirty="0"/>
+              <a:t>){ //continue ray tracing</a:t>
+            </a:r>
+            <a:endParaRPr dirty="0"/>
           </a:p>
           <a:p>
-            <a:pPr indent="457200" lvl="0" marL="0" rtl="0" algn="l">
+            <a:pPr marL="0" lvl="0" indent="457200" algn="l" rtl="0">
               <a:spcBef>
                 <a:spcPts val="1600"/>
               </a:spcBef>
@@ -5954,13 +6145,13 @@
               <a:buNone/>
             </a:pPr>
             <a:r>
-              <a:rPr lang="en"/>
+              <a:rPr lang="en" dirty="0"/>
               <a:t>if(type == Reflection){</a:t>
             </a:r>
-            <a:endParaRPr/>
+            <a:endParaRPr dirty="0"/>
           </a:p>
           <a:p>
-            <a:pPr indent="457200" lvl="0" marL="457200" rtl="0" algn="l">
+            <a:pPr marL="457200" lvl="0" indent="457200" algn="l" rtl="0">
               <a:spcBef>
                 <a:spcPts val="1600"/>
               </a:spcBef>
@@ -5970,13 +6161,53 @@
               <a:buNone/>
             </a:pPr>
             <a:r>
-              <a:rPr lang="en"/>
-              <a:t>L += L(P’, -wi)*p.brdf(wi,-wo)*costhea/pdf/cpdf; //reflection from this point</a:t>
+              <a:rPr lang="en" dirty="0"/>
+              <a:t>L += L(P, -</a:t>
             </a:r>
-            <a:endParaRPr/>
+            <a:r>
+              <a:rPr lang="en" dirty="0" err="1"/>
+              <a:t>wi</a:t>
+            </a:r>
+            <a:r>
+              <a:rPr lang="en" dirty="0"/>
+              <a:t>)*</a:t>
+            </a:r>
+            <a:r>
+              <a:rPr lang="en" dirty="0" err="1"/>
+              <a:t>p.brdf</a:t>
+            </a:r>
+            <a:r>
+              <a:rPr lang="en" dirty="0"/>
+              <a:t>(</a:t>
+            </a:r>
+            <a:r>
+              <a:rPr lang="en" dirty="0" err="1"/>
+              <a:t>wi</a:t>
+            </a:r>
+            <a:r>
+              <a:rPr lang="en" dirty="0"/>
+              <a:t>,-wo)*</a:t>
+            </a:r>
+            <a:r>
+              <a:rPr lang="en" dirty="0" err="1"/>
+              <a:t>costhea</a:t>
+            </a:r>
+            <a:r>
+              <a:rPr lang="en" dirty="0"/>
+              <a:t>/pdf/</a:t>
+            </a:r>
+            <a:r>
+              <a:rPr lang="en" dirty="0" err="1"/>
+              <a:t>cpdf</a:t>
+            </a:r>
+            <a:r>
+              <a:rPr lang="en" dirty="0"/>
+              <a:t>; //reflection from this point</a:t>
+            </a:r>
+            <a:endParaRPr dirty="0"/>
           </a:p>
           <a:p>
-            <a:pPr indent="457200" lvl="0" marL="0" rtl="0" algn="l">
+            <a:pPr marL="0" lvl="0" indent="457200" algn="l" rtl="0">
               <a:spcBef>
                 <a:spcPts val="1600"/>
               </a:spcBef>
@@ -5986,13 +6217,45 @@
               <a:buNone/>
             </a:pPr>
             <a:r>
-              <a:rPr lang="en"/>
-              <a:t>}else{L+= L(P’,-wi)*p.brdf(wi,-wo)*constant/pdf/cpdf;} }// scattering</a:t>
+              <a:rPr lang="en" dirty="0"/>
+              <a:t>}else{L+= L(P,-</a:t>
             </a:r>
-            <a:endParaRPr/>
+            <a:r>
+              <a:rPr lang="en" dirty="0" err="1"/>
+              <a:t>wi</a:t>
+            </a:r>
+            <a:r>
+              <a:rPr lang="en" dirty="0"/>
+              <a:t>)*</a:t>
+            </a:r>
+            <a:r>
+              <a:rPr lang="en" dirty="0" err="1"/>
+              <a:t>p.brdf</a:t>
+            </a:r>
+            <a:r>
+              <a:rPr lang="en" dirty="0"/>
+              <a:t>(</a:t>
+            </a:r>
+            <a:r>
+              <a:rPr lang="en" dirty="0" err="1"/>
+              <a:t>wi</a:t>
+            </a:r>
+            <a:r>
+              <a:rPr lang="en" dirty="0"/>
+              <a:t>,-wo)*constant/pdf/</a:t>
+            </a:r>
+            <a:r>
+              <a:rPr lang="en" dirty="0" err="1"/>
+              <a:t>cpdf</a:t>
+            </a:r>
+            <a:r>
+              <a:rPr lang="en" dirty="0"/>
+              <a:t>;} }// scattering</a:t>
+            </a:r>
+            <a:endParaRPr dirty="0"/>
           </a:p>
           <a:p>
-            <a:pPr indent="457200" lvl="0" marL="0" rtl="0" algn="l">
+            <a:pPr marL="0" lvl="0" indent="457200" algn="l" rtl="0">
               <a:spcBef>
                 <a:spcPts val="1600"/>
               </a:spcBef>
@@ -6002,10 +6265,10 @@
               <a:buNone/>
             </a:pPr>
             <a:r>
-              <a:rPr lang="en"/>
+              <a:rPr lang="en" dirty="0"/>
               <a:t>Return L;</a:t>
             </a:r>
-            <a:endParaRPr/>
+            <a:endParaRPr dirty="0"/>
           </a:p>
         </p:txBody>
       </p:sp>
@@ -6018,11 +6281,11 @@
 </file>
 
 <file path=ppt/slides/slide3.xml><?xml version="1.0" encoding="utf-8"?>
-<p:sld xmlns:a="http://schemas.openxmlformats.org/drawingml/2006/main" xmlns:r="http://schemas.openxmlformats.org/officeDocument/2006/relationships" xmlns:mc="http://schemas.openxmlformats.org/markup-compatibility/2006" xmlns:mv="urn:schemas-microsoft-com:mac:vml" xmlns:p="http://schemas.openxmlformats.org/presentationml/2006/main" xmlns:c="http://schemas.openxmlformats.org/drawingml/2006/chart" xmlns:dgm="http://schemas.openxmlformats.org/drawingml/2006/diagram" xmlns:o="urn:schemas-microsoft-com:office:office" xmlns:v="urn:schemas-microsoft-com:vml" xmlns:pvml="urn:schemas-microsoft-com:office:powerpoint" xmlns:com="http://schemas.openxmlformats.org/drawingml/2006/compatibility" xmlns:p14="http://schemas.microsoft.com/office/powerpoint/2010/main" xmlns:p15="http://schemas.microsoft.com/office/powerpoint/2012/main">
+<p:sld xmlns:a="http://schemas.openxmlformats.org/drawingml/2006/main" xmlns:r="http://schemas.openxmlformats.org/officeDocument/2006/relationships" xmlns:p="http://schemas.openxmlformats.org/presentationml/2006/main">
   <p:cSld>
     <p:spTree>
       <p:nvGrpSpPr>
-        <p:cNvPr id="65" name="Shape 65"/>
+        <p:cNvPr id="1" name="Shape 65"/>
         <p:cNvGrpSpPr/>
         <p:nvPr/>
       </p:nvGrpSpPr>
@@ -6037,7 +6300,9 @@
       <p:sp>
         <p:nvSpPr>
           <p:cNvPr id="66" name="Google Shape;66;p15"/>
-          <p:cNvSpPr txBox="1"/>
+          <p:cNvSpPr txBox="1">
+            <a:spLocks noGrp="1"/>
+          </p:cNvSpPr>
           <p:nvPr>
             <p:ph type="title"/>
           </p:nvPr>
@@ -6052,12 +6317,12 @@
           </a:prstGeom>
         </p:spPr>
         <p:txBody>
-          <a:bodyPr anchorCtr="0" anchor="t" bIns="91425" lIns="91425" spcFirstLastPara="1" rIns="91425" wrap="square" tIns="91425">
+          <a:bodyPr spcFirstLastPara="1" wrap="square" lIns="91425" tIns="91425" rIns="91425" bIns="91425" anchor="t" anchorCtr="0">
             <a:noAutofit/>
           </a:bodyPr>
           <a:lstStyle/>
           <a:p>
-            <a:pPr indent="0" lvl="0" marL="0" rtl="0" algn="l">
+            <a:pPr marL="0" lvl="0" indent="0" algn="l" rtl="0">
               <a:spcBef>
                 <a:spcPts val="0"/>
               </a:spcBef>
@@ -6077,9 +6342,11 @@
       <p:sp>
         <p:nvSpPr>
           <p:cNvPr id="67" name="Google Shape;67;p15"/>
-          <p:cNvSpPr txBox="1"/>
+          <p:cNvSpPr txBox="1">
+            <a:spLocks noGrp="1"/>
+          </p:cNvSpPr>
           <p:nvPr>
-            <p:ph idx="1" type="body"/>
+            <p:ph type="body" idx="1"/>
           </p:nvPr>
         </p:nvSpPr>
         <p:spPr>
@@ -6092,12 +6359,12 @@
           </a:prstGeom>
         </p:spPr>
         <p:txBody>
-          <a:bodyPr anchorCtr="0" anchor="t" bIns="91425" lIns="91425" spcFirstLastPara="1" rIns="91425" wrap="square" tIns="91425">
+          <a:bodyPr spcFirstLastPara="1" wrap="square" lIns="91425" tIns="91425" rIns="91425" bIns="91425" anchor="t" anchorCtr="0">
             <a:noAutofit/>
           </a:bodyPr>
           <a:lstStyle/>
           <a:p>
-            <a:pPr indent="0" lvl="0" marL="0" rtl="0" algn="l">
+            <a:pPr marL="0" lvl="0" indent="0" algn="l" rtl="0">
               <a:spcBef>
                 <a:spcPts val="0"/>
               </a:spcBef>
@@ -6113,7 +6380,7 @@
             <a:endParaRPr/>
           </a:p>
           <a:p>
-            <a:pPr indent="0" lvl="0" marL="0" rtl="0" algn="l">
+            <a:pPr marL="0" lvl="0" indent="0" algn="l" rtl="0">
               <a:spcBef>
                 <a:spcPts val="1600"/>
               </a:spcBef>
@@ -6129,7 +6396,7 @@
             <a:endParaRPr/>
           </a:p>
           <a:p>
-            <a:pPr indent="0" lvl="0" marL="0" rtl="0" algn="l">
+            <a:pPr marL="0" lvl="0" indent="0" algn="l" rtl="0">
               <a:spcBef>
                 <a:spcPts val="1600"/>
               </a:spcBef>
@@ -6183,7 +6450,288 @@
 </file>
 
 <file path=ppt/theme/theme1.xml><?xml version="1.0" encoding="utf-8"?>
-<a:theme xmlns:a="http://schemas.openxmlformats.org/drawingml/2006/main" xmlns:r="http://schemas.openxmlformats.org/officeDocument/2006/relationships">
+<a:theme xmlns:a="http://schemas.openxmlformats.org/drawingml/2006/main" name="Simple Light">
+  <a:themeElements>
+    <a:clrScheme name="Simple Light">
+      <a:dk1>
+        <a:srgbClr val="000000"/>
+      </a:dk1>
+      <a:lt1>
+        <a:srgbClr val="FFFFFF"/>
+      </a:lt1>
+      <a:dk2>
+        <a:srgbClr val="595959"/>
+      </a:dk2>
+      <a:lt2>
+        <a:srgbClr val="EEEEEE"/>
+      </a:lt2>
+      <a:accent1>
+        <a:srgbClr val="FFAB40"/>
+      </a:accent1>
+      <a:accent2>
+        <a:srgbClr val="212121"/>
+      </a:accent2>
+      <a:accent3>
+        <a:srgbClr val="78909C"/>
+      </a:accent3>
+      <a:accent4>
+        <a:srgbClr val="FFAB40"/>
+      </a:accent4>
+      <a:accent5>
+        <a:srgbClr val="0097A7"/>
+      </a:accent5>
+      <a:accent6>
+        <a:srgbClr val="EEFF41"/>
+      </a:accent6>
+      <a:hlink>
+        <a:srgbClr val="0097A7"/>
+      </a:hlink>
+      <a:folHlink>
+        <a:srgbClr val="0097A7"/>
+      </a:folHlink>
+    </a:clrScheme>
+    <a:fontScheme name="Office">
+      <a:majorFont>
+        <a:latin typeface="Arial"/>
+        <a:ea typeface=""/>
+        <a:cs typeface=""/>
+        <a:font script="Jpan" typeface="ＭＳ Ｐゴシック"/>
+        <a:font script="Hang" typeface="맑은 고딕"/>
+        <a:font script="Hans" typeface="宋体"/>
+        <a:font script="Hant" typeface="新細明體"/>
+        <a:font script="Arab" typeface="Times New Roman"/>
+        <a:font script="Hebr" typeface="Times New Roman"/>
+        <a:font script="Thai" typeface="Angsana New"/>
+        <a:font script="Ethi" typeface="Nyala"/>
+        <a:font script="Beng" typeface="Vrinda"/>
+        <a:font script="Gujr" typeface="Shruti"/>
+        <a:font script="Khmr" typeface="MoolBoran"/>
+        <a:font script="Knda" typeface="Tunga"/>
+        <a:font script="Guru" typeface="Raavi"/>
+        <a:font script="Cans" typeface="Euphemia"/>
+        <a:font script="Cher" typeface="Plantagenet Cherokee"/>
+        <a:font script="Yiii" typeface="Microsoft Yi Baiti"/>
+        <a:font script="Tibt" typeface="Microsoft Himalaya"/>
+        <a:font script="Thaa" typeface="MV Boli"/>
+        <a:font script="Deva" typeface="Mangal"/>
+        <a:font script="Telu" typeface="Gautami"/>
+        <a:font script="Taml" typeface="Latha"/>
+        <a:font script="Syrc" typeface="Estrangelo Edessa"/>
+        <a:font script="Orya" typeface="Kalinga"/>
+        <a:font script="Mlym" typeface="Kartika"/>
+        <a:font script="Laoo" typeface="DokChampa"/>
+        <a:font script="Sinh" typeface="Iskoola Pota"/>
+        <a:font script="Mong" typeface="Mongolian Baiti"/>
+        <a:font script="Viet" typeface="Times New Roman"/>
+        <a:font script="Uigh" typeface="Microsoft Uighur"/>
+        <a:font script="Geor" typeface="Sylfaen"/>
+      </a:majorFont>
+      <a:minorFont>
+        <a:latin typeface="Arial"/>
+        <a:ea typeface=""/>
+        <a:cs typeface=""/>
+        <a:font script="Jpan" typeface="ＭＳ Ｐゴシック"/>
+        <a:font script="Hang" typeface="맑은 고딕"/>
+        <a:font script="Hans" typeface="宋体"/>
+        <a:font script="Hant" typeface="新細明體"/>
+        <a:font script="Arab" typeface="Arial"/>
+        <a:font script="Hebr" typeface="Arial"/>
+        <a:font script="Thai" typeface="Cordia New"/>
+        <a:font script="Ethi" typeface="Nyala"/>
+        <a:font script="Beng" typeface="Vrinda"/>
+        <a:font script="Gujr" typeface="Shruti"/>
+        <a:font script="Khmr" typeface="DaunPenh"/>
+        <a:font script="Knda" typeface="Tunga"/>
+        <a:font script="Guru" typeface="Raavi"/>
+        <a:font script="Cans" typeface="Euphemia"/>
+        <a:font script="Cher" typeface="Plantagenet Cherokee"/>
+        <a:font script="Yiii" typeface="Microsoft Yi Baiti"/>
+        <a:font script="Tibt" typeface="Microsoft Himalaya"/>
+        <a:font script="Thaa" typeface="MV Boli"/>
+        <a:font script="Deva" typeface="Mangal"/>
+        <a:font script="Telu" typeface="Gautami"/>
+        <a:font script="Taml" typeface="Latha"/>
+        <a:font script="Syrc" typeface="Estrangelo Edessa"/>
+        <a:font script="Orya" typeface="Kalinga"/>
+        <a:font script="Mlym" typeface="Kartika"/>
+        <a:font script="Laoo" typeface="DokChampa"/>
+        <a:font script="Sinh" typeface="Iskoola Pota"/>
+        <a:font script="Mong" typeface="Mongolian Baiti"/>
+        <a:font script="Viet" typeface="Arial"/>
+        <a:font script="Uigh" typeface="Microsoft Uighur"/>
+        <a:font script="Geor" typeface="Sylfaen"/>
+      </a:minorFont>
+    </a:fontScheme>
+    <a:fmtScheme name="Office">
+      <a:fillStyleLst>
+        <a:solidFill>
+          <a:schemeClr val="phClr"/>
+        </a:solidFill>
+        <a:gradFill rotWithShape="1">
+          <a:gsLst>
+            <a:gs pos="0">
+              <a:schemeClr val="phClr">
+                <a:tint val="50000"/>
+                <a:satMod val="300000"/>
+              </a:schemeClr>
+            </a:gs>
+            <a:gs pos="35000">
+              <a:schemeClr val="phClr">
+                <a:tint val="37000"/>
+                <a:satMod val="300000"/>
+              </a:schemeClr>
+            </a:gs>
+            <a:gs pos="100000">
+              <a:schemeClr val="phClr">
+                <a:tint val="15000"/>
+                <a:satMod val="350000"/>
+              </a:schemeClr>
+            </a:gs>
+          </a:gsLst>
+          <a:lin ang="16200000" scaled="1"/>
+        </a:gradFill>
+        <a:gradFill rotWithShape="1">
+          <a:gsLst>
+            <a:gs pos="0">
+              <a:schemeClr val="phClr">
+                <a:tint val="100000"/>
+                <a:shade val="100000"/>
+                <a:satMod val="130000"/>
+              </a:schemeClr>
+            </a:gs>
+            <a:gs pos="100000">
+              <a:schemeClr val="phClr">
+                <a:tint val="50000"/>
+                <a:shade val="100000"/>
+                <a:satMod val="350000"/>
+              </a:schemeClr>
+            </a:gs>
+          </a:gsLst>
+          <a:lin ang="16200000" scaled="0"/>
+        </a:gradFill>
+      </a:fillStyleLst>
+      <a:lnStyleLst>
+        <a:ln w="9525" cap="flat" cmpd="sng" algn="ctr">
+          <a:solidFill>
+            <a:schemeClr val="phClr">
+              <a:shade val="95000"/>
+              <a:satMod val="105000"/>
+            </a:schemeClr>
+          </a:solidFill>
+          <a:prstDash val="solid"/>
+        </a:ln>
+        <a:ln w="25400" cap="flat" cmpd="sng" algn="ctr">
+          <a:solidFill>
+            <a:schemeClr val="phClr"/>
+          </a:solidFill>
+          <a:prstDash val="solid"/>
+        </a:ln>
+        <a:ln w="38100" cap="flat" cmpd="sng" algn="ctr">
+          <a:solidFill>
+            <a:schemeClr val="phClr"/>
+          </a:solidFill>
+          <a:prstDash val="solid"/>
+        </a:ln>
+      </a:lnStyleLst>
+      <a:effectStyleLst>
+        <a:effectStyle>
+          <a:effectLst>
+            <a:outerShdw blurRad="40000" dist="20000" dir="5400000" rotWithShape="0">
+              <a:srgbClr val="000000">
+                <a:alpha val="38000"/>
+              </a:srgbClr>
+            </a:outerShdw>
+          </a:effectLst>
+        </a:effectStyle>
+        <a:effectStyle>
+          <a:effectLst>
+            <a:outerShdw blurRad="40000" dist="23000" dir="5400000" rotWithShape="0">
+              <a:srgbClr val="000000">
+                <a:alpha val="35000"/>
+              </a:srgbClr>
+            </a:outerShdw>
+          </a:effectLst>
+        </a:effectStyle>
+        <a:effectStyle>
+          <a:effectLst>
+            <a:outerShdw blurRad="40000" dist="23000" dir="5400000" rotWithShape="0">
+              <a:srgbClr val="000000">
+                <a:alpha val="35000"/>
+              </a:srgbClr>
+            </a:outerShdw>
+          </a:effectLst>
+          <a:scene3d>
+            <a:camera prst="orthographicFront">
+              <a:rot lat="0" lon="0" rev="0"/>
+            </a:camera>
+            <a:lightRig rig="threePt" dir="t">
+              <a:rot lat="0" lon="0" rev="1200000"/>
+            </a:lightRig>
+          </a:scene3d>
+          <a:sp3d>
+            <a:bevelT w="63500" h="25400"/>
+          </a:sp3d>
+        </a:effectStyle>
+      </a:effectStyleLst>
+      <a:bgFillStyleLst>
+        <a:solidFill>
+          <a:schemeClr val="phClr"/>
+        </a:solidFill>
+        <a:gradFill rotWithShape="1">
+          <a:gsLst>
+            <a:gs pos="0">
+              <a:schemeClr val="phClr">
+                <a:tint val="40000"/>
+                <a:satMod val="350000"/>
+              </a:schemeClr>
+            </a:gs>
+            <a:gs pos="40000">
+              <a:schemeClr val="phClr">
+                <a:tint val="45000"/>
+                <a:shade val="99000"/>
+                <a:satMod val="350000"/>
+              </a:schemeClr>
+            </a:gs>
+            <a:gs pos="100000">
+              <a:schemeClr val="phClr">
+                <a:shade val="20000"/>
+                <a:satMod val="255000"/>
+              </a:schemeClr>
+            </a:gs>
+          </a:gsLst>
+          <a:path path="circle">
+            <a:fillToRect l="50000" t="-80000" r="50000" b="180000"/>
+          </a:path>
+        </a:gradFill>
+        <a:gradFill rotWithShape="1">
+          <a:gsLst>
+            <a:gs pos="0">
+              <a:schemeClr val="phClr">
+                <a:tint val="80000"/>
+                <a:satMod val="300000"/>
+              </a:schemeClr>
+            </a:gs>
+            <a:gs pos="100000">
+              <a:schemeClr val="phClr">
+                <a:shade val="30000"/>
+                <a:satMod val="200000"/>
+              </a:schemeClr>
+            </a:gs>
+          </a:gsLst>
+          <a:path path="circle">
+            <a:fillToRect l="50000" t="50000" r="50000" b="50000"/>
+          </a:path>
+        </a:gradFill>
+      </a:bgFillStyleLst>
+    </a:fmtScheme>
+  </a:themeElements>
+  <a:objectDefaults/>
+  <a:extraClrSchemeLst/>
+</a:theme>
+</file>
+
+<file path=ppt/theme/theme2.xml><?xml version="1.0" encoding="utf-8"?>
+<a:theme xmlns:a="http://schemas.openxmlformats.org/drawingml/2006/main">
   <a:themeElements>
     <a:clrScheme name="Default">
       <a:dk1>
@@ -6458,284 +7006,7 @@
       </a:bgFillStyleLst>
     </a:fmtScheme>
   </a:themeElements>
-</a:theme>
-</file>
-
-<file path=ppt/theme/theme2.xml><?xml version="1.0" encoding="utf-8"?>
-<a:theme xmlns:a="http://schemas.openxmlformats.org/drawingml/2006/main" xmlns:r="http://schemas.openxmlformats.org/officeDocument/2006/relationships" name="Simple Light">
-  <a:themeElements>
-    <a:clrScheme name="Simple Light">
-      <a:dk1>
-        <a:srgbClr val="000000"/>
-      </a:dk1>
-      <a:lt1>
-        <a:srgbClr val="FFFFFF"/>
-      </a:lt1>
-      <a:dk2>
-        <a:srgbClr val="595959"/>
-      </a:dk2>
-      <a:lt2>
-        <a:srgbClr val="EEEEEE"/>
-      </a:lt2>
-      <a:accent1>
-        <a:srgbClr val="FFAB40"/>
-      </a:accent1>
-      <a:accent2>
-        <a:srgbClr val="212121"/>
-      </a:accent2>
-      <a:accent3>
-        <a:srgbClr val="78909C"/>
-      </a:accent3>
-      <a:accent4>
-        <a:srgbClr val="FFAB40"/>
-      </a:accent4>
-      <a:accent5>
-        <a:srgbClr val="0097A7"/>
-      </a:accent5>
-      <a:accent6>
-        <a:srgbClr val="EEFF41"/>
-      </a:accent6>
-      <a:hlink>
-        <a:srgbClr val="0097A7"/>
-      </a:hlink>
-      <a:folHlink>
-        <a:srgbClr val="0097A7"/>
-      </a:folHlink>
-    </a:clrScheme>
-    <a:fontScheme name="Office">
-      <a:majorFont>
-        <a:latin typeface="Arial"/>
-        <a:ea typeface=""/>
-        <a:cs typeface=""/>
-        <a:font script="Jpan" typeface="ＭＳ Ｐゴシック"/>
-        <a:font script="Hang" typeface="맑은 고딕"/>
-        <a:font script="Hans" typeface="宋体"/>
-        <a:font script="Hant" typeface="新細明體"/>
-        <a:font script="Arab" typeface="Times New Roman"/>
-        <a:font script="Hebr" typeface="Times New Roman"/>
-        <a:font script="Thai" typeface="Angsana New"/>
-        <a:font script="Ethi" typeface="Nyala"/>
-        <a:font script="Beng" typeface="Vrinda"/>
-        <a:font script="Gujr" typeface="Shruti"/>
-        <a:font script="Khmr" typeface="MoolBoran"/>
-        <a:font script="Knda" typeface="Tunga"/>
-        <a:font script="Guru" typeface="Raavi"/>
-        <a:font script="Cans" typeface="Euphemia"/>
-        <a:font script="Cher" typeface="Plantagenet Cherokee"/>
-        <a:font script="Yiii" typeface="Microsoft Yi Baiti"/>
-        <a:font script="Tibt" typeface="Microsoft Himalaya"/>
-        <a:font script="Thaa" typeface="MV Boli"/>
-        <a:font script="Deva" typeface="Mangal"/>
-        <a:font script="Telu" typeface="Gautami"/>
-        <a:font script="Taml" typeface="Latha"/>
-        <a:font script="Syrc" typeface="Estrangelo Edessa"/>
-        <a:font script="Orya" typeface="Kalinga"/>
-        <a:font script="Mlym" typeface="Kartika"/>
-        <a:font script="Laoo" typeface="DokChampa"/>
-        <a:font script="Sinh" typeface="Iskoola Pota"/>
-        <a:font script="Mong" typeface="Mongolian Baiti"/>
-        <a:font script="Viet" typeface="Times New Roman"/>
-        <a:font script="Uigh" typeface="Microsoft Uighur"/>
-        <a:font script="Geor" typeface="Sylfaen"/>
-      </a:majorFont>
-      <a:minorFont>
-        <a:latin typeface="Arial"/>
-        <a:ea typeface=""/>
-        <a:cs typeface=""/>
-        <a:font script="Jpan" typeface="ＭＳ Ｐゴシック"/>
-        <a:font script="Hang" typeface="맑은 고딕"/>
-        <a:font script="Hans" typeface="宋体"/>
-        <a:font script="Hant" typeface="新細明體"/>
-        <a:font script="Arab" typeface="Arial"/>
-        <a:font script="Hebr" typeface="Arial"/>
-        <a:font script="Thai" typeface="Cordia New"/>
-        <a:font script="Ethi" typeface="Nyala"/>
-        <a:font script="Beng" typeface="Vrinda"/>
-        <a:font script="Gujr" typeface="Shruti"/>
-        <a:font script="Khmr" typeface="DaunPenh"/>
-        <a:font script="Knda" typeface="Tunga"/>
-        <a:font script="Guru" typeface="Raavi"/>
-        <a:font script="Cans" typeface="Euphemia"/>
-        <a:font script="Cher" typeface="Plantagenet Cherokee"/>
-        <a:font script="Yiii" typeface="Microsoft Yi Baiti"/>
-        <a:font script="Tibt" typeface="Microsoft Himalaya"/>
-        <a:font script="Thaa" typeface="MV Boli"/>
-        <a:font script="Deva" typeface="Mangal"/>
-        <a:font script="Telu" typeface="Gautami"/>
-        <a:font script="Taml" typeface="Latha"/>
-        <a:font script="Syrc" typeface="Estrangelo Edessa"/>
-        <a:font script="Orya" typeface="Kalinga"/>
-        <a:font script="Mlym" typeface="Kartika"/>
-        <a:font script="Laoo" typeface="DokChampa"/>
-        <a:font script="Sinh" typeface="Iskoola Pota"/>
-        <a:font script="Mong" typeface="Mongolian Baiti"/>
-        <a:font script="Viet" typeface="Arial"/>
-        <a:font script="Uigh" typeface="Microsoft Uighur"/>
-        <a:font script="Geor" typeface="Sylfaen"/>
-      </a:minorFont>
-    </a:fontScheme>
-    <a:fmtScheme name="Office">
-      <a:fillStyleLst>
-        <a:solidFill>
-          <a:schemeClr val="phClr"/>
-        </a:solidFill>
-        <a:gradFill rotWithShape="1">
-          <a:gsLst>
-            <a:gs pos="0">
-              <a:schemeClr val="phClr">
-                <a:tint val="50000"/>
-                <a:satMod val="300000"/>
-              </a:schemeClr>
-            </a:gs>
-            <a:gs pos="35000">
-              <a:schemeClr val="phClr">
-                <a:tint val="37000"/>
-                <a:satMod val="300000"/>
-              </a:schemeClr>
-            </a:gs>
-            <a:gs pos="100000">
-              <a:schemeClr val="phClr">
-                <a:tint val="15000"/>
-                <a:satMod val="350000"/>
-              </a:schemeClr>
-            </a:gs>
-          </a:gsLst>
-          <a:lin ang="16200000" scaled="1"/>
-        </a:gradFill>
-        <a:gradFill rotWithShape="1">
-          <a:gsLst>
-            <a:gs pos="0">
-              <a:schemeClr val="phClr">
-                <a:tint val="100000"/>
-                <a:shade val="100000"/>
-                <a:satMod val="130000"/>
-              </a:schemeClr>
-            </a:gs>
-            <a:gs pos="100000">
-              <a:schemeClr val="phClr">
-                <a:tint val="50000"/>
-                <a:shade val="100000"/>
-                <a:satMod val="350000"/>
-              </a:schemeClr>
-            </a:gs>
-          </a:gsLst>
-          <a:lin ang="16200000" scaled="0"/>
-        </a:gradFill>
-      </a:fillStyleLst>
-      <a:lnStyleLst>
-        <a:ln w="9525" cap="flat" cmpd="sng" algn="ctr">
-          <a:solidFill>
-            <a:schemeClr val="phClr">
-              <a:shade val="95000"/>
-              <a:satMod val="105000"/>
-            </a:schemeClr>
-          </a:solidFill>
-          <a:prstDash val="solid"/>
-        </a:ln>
-        <a:ln w="25400" cap="flat" cmpd="sng" algn="ctr">
-          <a:solidFill>
-            <a:schemeClr val="phClr"/>
-          </a:solidFill>
-          <a:prstDash val="solid"/>
-        </a:ln>
-        <a:ln w="38100" cap="flat" cmpd="sng" algn="ctr">
-          <a:solidFill>
-            <a:schemeClr val="phClr"/>
-          </a:solidFill>
-          <a:prstDash val="solid"/>
-        </a:ln>
-      </a:lnStyleLst>
-      <a:effectStyleLst>
-        <a:effectStyle>
-          <a:effectLst>
-            <a:outerShdw blurRad="40000" dist="20000" dir="5400000" rotWithShape="0">
-              <a:srgbClr val="000000">
-                <a:alpha val="38000"/>
-              </a:srgbClr>
-            </a:outerShdw>
-          </a:effectLst>
-        </a:effectStyle>
-        <a:effectStyle>
-          <a:effectLst>
-            <a:outerShdw blurRad="40000" dist="23000" dir="5400000" rotWithShape="0">
-              <a:srgbClr val="000000">
-                <a:alpha val="35000"/>
-              </a:srgbClr>
-            </a:outerShdw>
-          </a:effectLst>
-        </a:effectStyle>
-        <a:effectStyle>
-          <a:effectLst>
-            <a:outerShdw blurRad="40000" dist="23000" dir="5400000" rotWithShape="0">
-              <a:srgbClr val="000000">
-                <a:alpha val="35000"/>
-              </a:srgbClr>
-            </a:outerShdw>
-          </a:effectLst>
-          <a:scene3d>
-            <a:camera prst="orthographicFront">
-              <a:rot lat="0" lon="0" rev="0"/>
-            </a:camera>
-            <a:lightRig rig="threePt" dir="t">
-              <a:rot lat="0" lon="0" rev="1200000"/>
-            </a:lightRig>
-          </a:scene3d>
-          <a:sp3d>
-            <a:bevelT w="63500" h="25400"/>
-          </a:sp3d>
-        </a:effectStyle>
-      </a:effectStyleLst>
-      <a:bgFillStyleLst>
-        <a:solidFill>
-          <a:schemeClr val="phClr"/>
-        </a:solidFill>
-        <a:gradFill rotWithShape="1">
-          <a:gsLst>
-            <a:gs pos="0">
-              <a:schemeClr val="phClr">
-                <a:tint val="40000"/>
-                <a:satMod val="350000"/>
-              </a:schemeClr>
-            </a:gs>
-            <a:gs pos="40000">
-              <a:schemeClr val="phClr">
-                <a:tint val="45000"/>
-                <a:shade val="99000"/>
-                <a:satMod val="350000"/>
-              </a:schemeClr>
-            </a:gs>
-            <a:gs pos="100000">
-              <a:schemeClr val="phClr">
-                <a:shade val="20000"/>
-                <a:satMod val="255000"/>
-              </a:schemeClr>
-            </a:gs>
-          </a:gsLst>
-          <a:path path="circle">
-            <a:fillToRect l="50000" t="-80000" r="50000" b="180000"/>
-          </a:path>
-        </a:gradFill>
-        <a:gradFill rotWithShape="1">
-          <a:gsLst>
-            <a:gs pos="0">
-              <a:schemeClr val="phClr">
-                <a:tint val="80000"/>
-                <a:satMod val="300000"/>
-              </a:schemeClr>
-            </a:gs>
-            <a:gs pos="100000">
-              <a:schemeClr val="phClr">
-                <a:shade val="30000"/>
-                <a:satMod val="200000"/>
-              </a:schemeClr>
-            </a:gs>
-          </a:gsLst>
-          <a:path path="circle">
-            <a:fillToRect l="50000" t="50000" r="50000" b="50000"/>
-          </a:path>
-        </a:gradFill>
-      </a:bgFillStyleLst>
-    </a:fmtScheme>
-  </a:themeElements>
+  <a:objectDefaults/>
+  <a:extraClrSchemeLst/>
 </a:theme>
 </file>